--- a/기획자료/PYG_맵_시스템_김세윤.pptx
+++ b/기획자료/PYG_맵_시스템_김세윤.pptx
@@ -12361,7 +12361,7 @@
           <p:cNvPr id="100" name="육각형 99">
             <a:extLst>
               <a:ext uri="{FF2B5EF4-FFF2-40B4-BE49-F238E27FC236}">
-                <a16:creationId xmlns:a16="http://schemas.microsoft.com/office/drawing/2014/main" xmlns="" id="{506A4B36-6BFE-9554-BC8C-9CDA9C143FAD}"/>
+                <a16:creationId xmlns:a16="http://schemas.microsoft.com/office/drawing/2014/main" id="{506A4B36-6BFE-9554-BC8C-9CDA9C143FAD}"/>
               </a:ext>
             </a:extLst>
           </p:cNvPr>
@@ -12406,6 +12406,10 @@
           <a:lstStyle/>
           <a:p>
             <a:pPr algn="ctr"/>
+            <a:r>
+              <a:rPr lang="en-US" altLang="ko-KR" dirty="0"/>
+              <a:t>2</a:t>
+            </a:r>
             <a:endParaRPr lang="ko-KR" altLang="en-US" dirty="0"/>
           </a:p>
         </p:txBody>
@@ -12415,7 +12419,7 @@
           <p:cNvPr id="101" name="육각형 100">
             <a:extLst>
               <a:ext uri="{FF2B5EF4-FFF2-40B4-BE49-F238E27FC236}">
-                <a16:creationId xmlns:a16="http://schemas.microsoft.com/office/drawing/2014/main" xmlns="" id="{3C782660-0B02-BF2D-627A-52C8A43B3965}"/>
+                <a16:creationId xmlns:a16="http://schemas.microsoft.com/office/drawing/2014/main" id="{3C782660-0B02-BF2D-627A-52C8A43B3965}"/>
               </a:ext>
             </a:extLst>
           </p:cNvPr>
@@ -12469,7 +12473,7 @@
           <p:cNvPr id="102" name="육각형 101">
             <a:extLst>
               <a:ext uri="{FF2B5EF4-FFF2-40B4-BE49-F238E27FC236}">
-                <a16:creationId xmlns:a16="http://schemas.microsoft.com/office/drawing/2014/main" xmlns="" id="{ECD93A45-4929-2658-07A4-FBCEB5580A17}"/>
+                <a16:creationId xmlns:a16="http://schemas.microsoft.com/office/drawing/2014/main" id="{ECD93A45-4929-2658-07A4-FBCEB5580A17}"/>
               </a:ext>
             </a:extLst>
           </p:cNvPr>
@@ -12526,7 +12530,7 @@
           <p:cNvPr id="103" name="육각형 102">
             <a:extLst>
               <a:ext uri="{FF2B5EF4-FFF2-40B4-BE49-F238E27FC236}">
-                <a16:creationId xmlns:a16="http://schemas.microsoft.com/office/drawing/2014/main" xmlns="" id="{4E1D6E09-9752-0613-D261-51BF5911F235}"/>
+                <a16:creationId xmlns:a16="http://schemas.microsoft.com/office/drawing/2014/main" id="{4E1D6E09-9752-0613-D261-51BF5911F235}"/>
               </a:ext>
             </a:extLst>
           </p:cNvPr>
@@ -12583,7 +12587,7 @@
           <p:cNvPr id="104" name="육각형 103">
             <a:extLst>
               <a:ext uri="{FF2B5EF4-FFF2-40B4-BE49-F238E27FC236}">
-                <a16:creationId xmlns:a16="http://schemas.microsoft.com/office/drawing/2014/main" xmlns="" id="{7B62C15B-94FB-664C-8DD2-4EDC1CBC1675}"/>
+                <a16:creationId xmlns:a16="http://schemas.microsoft.com/office/drawing/2014/main" id="{7B62C15B-94FB-664C-8DD2-4EDC1CBC1675}"/>
               </a:ext>
             </a:extLst>
           </p:cNvPr>
@@ -12628,7 +12632,11 @@
           <a:lstStyle/>
           <a:p>
             <a:pPr algn="ctr"/>
-            <a:endParaRPr lang="ko-KR" altLang="en-US"/>
+            <a:r>
+              <a:rPr lang="en-US" altLang="ko-KR" dirty="0"/>
+              <a:t>1</a:t>
+            </a:r>
+            <a:endParaRPr lang="ko-KR" altLang="en-US" dirty="0"/>
           </a:p>
         </p:txBody>
       </p:sp>
@@ -12637,7 +12645,7 @@
           <p:cNvPr id="105" name="육각형 104">
             <a:extLst>
               <a:ext uri="{FF2B5EF4-FFF2-40B4-BE49-F238E27FC236}">
-                <a16:creationId xmlns:a16="http://schemas.microsoft.com/office/drawing/2014/main" xmlns="" id="{42B2CC72-0561-AAD1-FF38-8D86C803E45D}"/>
+                <a16:creationId xmlns:a16="http://schemas.microsoft.com/office/drawing/2014/main" id="{42B2CC72-0561-AAD1-FF38-8D86C803E45D}"/>
               </a:ext>
             </a:extLst>
           </p:cNvPr>
@@ -12684,7 +12692,11 @@
           <a:lstStyle/>
           <a:p>
             <a:pPr algn="ctr"/>
-            <a:endParaRPr lang="ko-KR" altLang="en-US"/>
+            <a:r>
+              <a:rPr lang="en-US" altLang="ko-KR" dirty="0"/>
+              <a:t>2</a:t>
+            </a:r>
+            <a:endParaRPr lang="ko-KR" altLang="en-US" dirty="0"/>
           </a:p>
         </p:txBody>
       </p:sp>
@@ -12693,7 +12705,7 @@
           <p:cNvPr id="94" name="육각형 93">
             <a:extLst>
               <a:ext uri="{FF2B5EF4-FFF2-40B4-BE49-F238E27FC236}">
-                <a16:creationId xmlns:a16="http://schemas.microsoft.com/office/drawing/2014/main" xmlns="" id="{7F5A7BF6-E0EA-91CE-78B7-307FD26EFDCF}"/>
+                <a16:creationId xmlns:a16="http://schemas.microsoft.com/office/drawing/2014/main" id="{7F5A7BF6-E0EA-91CE-78B7-307FD26EFDCF}"/>
               </a:ext>
             </a:extLst>
           </p:cNvPr>
@@ -12740,7 +12752,11 @@
           <a:lstStyle/>
           <a:p>
             <a:pPr algn="ctr"/>
-            <a:endParaRPr lang="ko-KR" altLang="en-US"/>
+            <a:r>
+              <a:rPr lang="en-US" altLang="ko-KR" dirty="0"/>
+              <a:t>3</a:t>
+            </a:r>
+            <a:endParaRPr lang="ko-KR" altLang="en-US" dirty="0"/>
           </a:p>
         </p:txBody>
       </p:sp>
@@ -12749,7 +12765,7 @@
           <p:cNvPr id="95" name="육각형 94">
             <a:extLst>
               <a:ext uri="{FF2B5EF4-FFF2-40B4-BE49-F238E27FC236}">
-                <a16:creationId xmlns:a16="http://schemas.microsoft.com/office/drawing/2014/main" xmlns="" id="{94BCBB2F-B8CC-94E2-1CB1-A8F18224BE67}"/>
+                <a16:creationId xmlns:a16="http://schemas.microsoft.com/office/drawing/2014/main" id="{94BCBB2F-B8CC-94E2-1CB1-A8F18224BE67}"/>
               </a:ext>
             </a:extLst>
           </p:cNvPr>
@@ -12806,7 +12822,7 @@
           <p:cNvPr id="96" name="육각형 95">
             <a:extLst>
               <a:ext uri="{FF2B5EF4-FFF2-40B4-BE49-F238E27FC236}">
-                <a16:creationId xmlns:a16="http://schemas.microsoft.com/office/drawing/2014/main" xmlns="" id="{19D18324-664C-2796-237D-D84974A0B082}"/>
+                <a16:creationId xmlns:a16="http://schemas.microsoft.com/office/drawing/2014/main" id="{19D18324-664C-2796-237D-D84974A0B082}"/>
               </a:ext>
             </a:extLst>
           </p:cNvPr>
@@ -12853,7 +12869,11 @@
           <a:lstStyle/>
           <a:p>
             <a:pPr algn="ctr"/>
-            <a:endParaRPr lang="ko-KR" altLang="en-US"/>
+            <a:r>
+              <a:rPr lang="en-US" altLang="ko-KR" dirty="0"/>
+              <a:t>2</a:t>
+            </a:r>
+            <a:endParaRPr lang="ko-KR" altLang="en-US" dirty="0"/>
           </a:p>
         </p:txBody>
       </p:sp>
@@ -12862,7 +12882,7 @@
           <p:cNvPr id="97" name="육각형 96">
             <a:extLst>
               <a:ext uri="{FF2B5EF4-FFF2-40B4-BE49-F238E27FC236}">
-                <a16:creationId xmlns:a16="http://schemas.microsoft.com/office/drawing/2014/main" xmlns="" id="{60A7F297-CACC-46A3-56D2-4732E6603128}"/>
+                <a16:creationId xmlns:a16="http://schemas.microsoft.com/office/drawing/2014/main" id="{60A7F297-CACC-46A3-56D2-4732E6603128}"/>
               </a:ext>
             </a:extLst>
           </p:cNvPr>
@@ -12909,7 +12929,11 @@
           <a:lstStyle/>
           <a:p>
             <a:pPr algn="ctr"/>
-            <a:endParaRPr lang="ko-KR" altLang="en-US"/>
+            <a:r>
+              <a:rPr lang="en-US" altLang="ko-KR" dirty="0"/>
+              <a:t>1</a:t>
+            </a:r>
+            <a:endParaRPr lang="ko-KR" altLang="en-US" dirty="0"/>
           </a:p>
         </p:txBody>
       </p:sp>
@@ -12918,7 +12942,7 @@
           <p:cNvPr id="98" name="육각형 97">
             <a:extLst>
               <a:ext uri="{FF2B5EF4-FFF2-40B4-BE49-F238E27FC236}">
-                <a16:creationId xmlns:a16="http://schemas.microsoft.com/office/drawing/2014/main" xmlns="" id="{381A6176-7E80-083E-53B0-5F09E4A0E58C}"/>
+                <a16:creationId xmlns:a16="http://schemas.microsoft.com/office/drawing/2014/main" id="{381A6176-7E80-083E-53B0-5F09E4A0E58C}"/>
               </a:ext>
             </a:extLst>
           </p:cNvPr>
@@ -12972,7 +12996,7 @@
           <p:cNvPr id="99" name="육각형 98">
             <a:extLst>
               <a:ext uri="{FF2B5EF4-FFF2-40B4-BE49-F238E27FC236}">
-                <a16:creationId xmlns:a16="http://schemas.microsoft.com/office/drawing/2014/main" xmlns="" id="{BC75B784-51F1-8365-C4F6-99AEECCEA30C}"/>
+                <a16:creationId xmlns:a16="http://schemas.microsoft.com/office/drawing/2014/main" id="{BC75B784-51F1-8365-C4F6-99AEECCEA30C}"/>
               </a:ext>
             </a:extLst>
           </p:cNvPr>
@@ -13019,7 +13043,11 @@
           <a:lstStyle/>
           <a:p>
             <a:pPr algn="ctr"/>
-            <a:endParaRPr lang="ko-KR" altLang="en-US"/>
+            <a:r>
+              <a:rPr lang="en-US" altLang="ko-KR" dirty="0"/>
+              <a:t>1</a:t>
+            </a:r>
+            <a:endParaRPr lang="ko-KR" altLang="en-US" dirty="0"/>
           </a:p>
         </p:txBody>
       </p:sp>
@@ -13028,7 +13056,7 @@
           <p:cNvPr id="86" name="육각형 85">
             <a:extLst>
               <a:ext uri="{FF2B5EF4-FFF2-40B4-BE49-F238E27FC236}">
-                <a16:creationId xmlns:a16="http://schemas.microsoft.com/office/drawing/2014/main" xmlns="" id="{7E94EA46-07D4-D4A5-F7E7-2E343B994CE1}"/>
+                <a16:creationId xmlns:a16="http://schemas.microsoft.com/office/drawing/2014/main" id="{7E94EA46-07D4-D4A5-F7E7-2E343B994CE1}"/>
               </a:ext>
             </a:extLst>
           </p:cNvPr>
@@ -13075,7 +13103,11 @@
           <a:lstStyle/>
           <a:p>
             <a:pPr algn="ctr"/>
-            <a:endParaRPr lang="ko-KR" altLang="en-US"/>
+            <a:r>
+              <a:rPr lang="en-US" altLang="ko-KR" dirty="0"/>
+              <a:t>1</a:t>
+            </a:r>
+            <a:endParaRPr lang="ko-KR" altLang="en-US" dirty="0"/>
           </a:p>
         </p:txBody>
       </p:sp>
@@ -13084,7 +13116,7 @@
           <p:cNvPr id="87" name="육각형 86">
             <a:extLst>
               <a:ext uri="{FF2B5EF4-FFF2-40B4-BE49-F238E27FC236}">
-                <a16:creationId xmlns:a16="http://schemas.microsoft.com/office/drawing/2014/main" xmlns="" id="{0396CECB-F810-5682-4D47-26657CECC81F}"/>
+                <a16:creationId xmlns:a16="http://schemas.microsoft.com/office/drawing/2014/main" id="{0396CECB-F810-5682-4D47-26657CECC81F}"/>
               </a:ext>
             </a:extLst>
           </p:cNvPr>
@@ -13138,7 +13170,7 @@
           <p:cNvPr id="88" name="육각형 87">
             <a:extLst>
               <a:ext uri="{FF2B5EF4-FFF2-40B4-BE49-F238E27FC236}">
-                <a16:creationId xmlns:a16="http://schemas.microsoft.com/office/drawing/2014/main" xmlns="" id="{95AA54F4-0011-5556-E91B-CCCFC5397687}"/>
+                <a16:creationId xmlns:a16="http://schemas.microsoft.com/office/drawing/2014/main" id="{95AA54F4-0011-5556-E91B-CCCFC5397687}"/>
               </a:ext>
             </a:extLst>
           </p:cNvPr>
@@ -13183,7 +13215,11 @@
           <a:lstStyle/>
           <a:p>
             <a:pPr algn="ctr"/>
-            <a:endParaRPr lang="ko-KR" altLang="en-US"/>
+            <a:r>
+              <a:rPr lang="en-US" altLang="ko-KR" dirty="0"/>
+              <a:t>1</a:t>
+            </a:r>
+            <a:endParaRPr lang="ko-KR" altLang="en-US" dirty="0"/>
           </a:p>
         </p:txBody>
       </p:sp>
@@ -13192,7 +13228,7 @@
           <p:cNvPr id="89" name="육각형 88">
             <a:extLst>
               <a:ext uri="{FF2B5EF4-FFF2-40B4-BE49-F238E27FC236}">
-                <a16:creationId xmlns:a16="http://schemas.microsoft.com/office/drawing/2014/main" xmlns="" id="{717E3EF4-52E4-D610-AEDD-07F122054DD0}"/>
+                <a16:creationId xmlns:a16="http://schemas.microsoft.com/office/drawing/2014/main" id="{717E3EF4-52E4-D610-AEDD-07F122054DD0}"/>
               </a:ext>
             </a:extLst>
           </p:cNvPr>
@@ -13239,7 +13275,11 @@
           <a:lstStyle/>
           <a:p>
             <a:pPr algn="ctr"/>
-            <a:endParaRPr lang="ko-KR" altLang="en-US"/>
+            <a:r>
+              <a:rPr lang="en-US" altLang="ko-KR" dirty="0"/>
+              <a:t>3</a:t>
+            </a:r>
+            <a:endParaRPr lang="ko-KR" altLang="en-US" dirty="0"/>
           </a:p>
         </p:txBody>
       </p:sp>
@@ -13248,7 +13288,7 @@
           <p:cNvPr id="90" name="육각형 89">
             <a:extLst>
               <a:ext uri="{FF2B5EF4-FFF2-40B4-BE49-F238E27FC236}">
-                <a16:creationId xmlns:a16="http://schemas.microsoft.com/office/drawing/2014/main" xmlns="" id="{29FCE219-6252-D47E-F8C0-482D15881134}"/>
+                <a16:creationId xmlns:a16="http://schemas.microsoft.com/office/drawing/2014/main" id="{29FCE219-6252-D47E-F8C0-482D15881134}"/>
               </a:ext>
             </a:extLst>
           </p:cNvPr>
@@ -13293,7 +13333,11 @@
           <a:lstStyle/>
           <a:p>
             <a:pPr algn="ctr"/>
-            <a:endParaRPr lang="ko-KR" altLang="en-US"/>
+            <a:r>
+              <a:rPr lang="en-US" altLang="ko-KR" dirty="0"/>
+              <a:t>2</a:t>
+            </a:r>
+            <a:endParaRPr lang="ko-KR" altLang="en-US" dirty="0"/>
           </a:p>
         </p:txBody>
       </p:sp>
@@ -13302,7 +13346,7 @@
           <p:cNvPr id="91" name="육각형 90">
             <a:extLst>
               <a:ext uri="{FF2B5EF4-FFF2-40B4-BE49-F238E27FC236}">
-                <a16:creationId xmlns:a16="http://schemas.microsoft.com/office/drawing/2014/main" xmlns="" id="{6F74D291-9FBB-F78C-89BD-0B9BD80EE7A4}"/>
+                <a16:creationId xmlns:a16="http://schemas.microsoft.com/office/drawing/2014/main" id="{6F74D291-9FBB-F78C-89BD-0B9BD80EE7A4}"/>
               </a:ext>
             </a:extLst>
           </p:cNvPr>
@@ -13349,6 +13393,10 @@
           <a:lstStyle/>
           <a:p>
             <a:pPr algn="ctr"/>
+            <a:r>
+              <a:rPr lang="en-US" altLang="ko-KR" dirty="0"/>
+              <a:t>3</a:t>
+            </a:r>
             <a:endParaRPr lang="ko-KR" altLang="en-US" dirty="0"/>
           </a:p>
         </p:txBody>
@@ -13358,7 +13406,7 @@
           <p:cNvPr id="80" name="육각형 79">
             <a:extLst>
               <a:ext uri="{FF2B5EF4-FFF2-40B4-BE49-F238E27FC236}">
-                <a16:creationId xmlns:a16="http://schemas.microsoft.com/office/drawing/2014/main" xmlns="" id="{D0F601D9-B0A2-EF61-8F85-EC1723606E5C}"/>
+                <a16:creationId xmlns:a16="http://schemas.microsoft.com/office/drawing/2014/main" id="{D0F601D9-B0A2-EF61-8F85-EC1723606E5C}"/>
               </a:ext>
             </a:extLst>
           </p:cNvPr>
@@ -13415,7 +13463,7 @@
           <p:cNvPr id="81" name="육각형 80">
             <a:extLst>
               <a:ext uri="{FF2B5EF4-FFF2-40B4-BE49-F238E27FC236}">
-                <a16:creationId xmlns:a16="http://schemas.microsoft.com/office/drawing/2014/main" xmlns="" id="{465A1247-7340-6950-638B-928D3D7A4B2D}"/>
+                <a16:creationId xmlns:a16="http://schemas.microsoft.com/office/drawing/2014/main" id="{465A1247-7340-6950-638B-928D3D7A4B2D}"/>
               </a:ext>
             </a:extLst>
           </p:cNvPr>
@@ -13462,7 +13510,11 @@
           <a:lstStyle/>
           <a:p>
             <a:pPr algn="ctr"/>
-            <a:endParaRPr lang="ko-KR" altLang="en-US"/>
+            <a:r>
+              <a:rPr lang="en-US" altLang="ko-KR" dirty="0"/>
+              <a:t>2</a:t>
+            </a:r>
+            <a:endParaRPr lang="ko-KR" altLang="en-US" dirty="0"/>
           </a:p>
         </p:txBody>
       </p:sp>
@@ -13471,7 +13523,7 @@
           <p:cNvPr id="82" name="육각형 81">
             <a:extLst>
               <a:ext uri="{FF2B5EF4-FFF2-40B4-BE49-F238E27FC236}">
-                <a16:creationId xmlns:a16="http://schemas.microsoft.com/office/drawing/2014/main" xmlns="" id="{4764017A-EECF-B422-9496-2FAD89D5413F}"/>
+                <a16:creationId xmlns:a16="http://schemas.microsoft.com/office/drawing/2014/main" id="{4764017A-EECF-B422-9496-2FAD89D5413F}"/>
               </a:ext>
             </a:extLst>
           </p:cNvPr>
@@ -13528,7 +13580,7 @@
           <p:cNvPr id="83" name="육각형 82">
             <a:extLst>
               <a:ext uri="{FF2B5EF4-FFF2-40B4-BE49-F238E27FC236}">
-                <a16:creationId xmlns:a16="http://schemas.microsoft.com/office/drawing/2014/main" xmlns="" id="{5FCAAA39-6577-0A2C-1A8E-104D72307ECA}"/>
+                <a16:creationId xmlns:a16="http://schemas.microsoft.com/office/drawing/2014/main" id="{5FCAAA39-6577-0A2C-1A8E-104D72307ECA}"/>
               </a:ext>
             </a:extLst>
           </p:cNvPr>
@@ -13585,7 +13637,7 @@
           <p:cNvPr id="84" name="육각형 83">
             <a:extLst>
               <a:ext uri="{FF2B5EF4-FFF2-40B4-BE49-F238E27FC236}">
-                <a16:creationId xmlns:a16="http://schemas.microsoft.com/office/drawing/2014/main" xmlns="" id="{D784101C-7020-2448-DF6E-C2DFCD892D18}"/>
+                <a16:creationId xmlns:a16="http://schemas.microsoft.com/office/drawing/2014/main" id="{D784101C-7020-2448-DF6E-C2DFCD892D18}"/>
               </a:ext>
             </a:extLst>
           </p:cNvPr>
@@ -13632,7 +13684,11 @@
           <a:lstStyle/>
           <a:p>
             <a:pPr algn="ctr"/>
-            <a:endParaRPr lang="ko-KR" altLang="en-US"/>
+            <a:r>
+              <a:rPr lang="en-US" altLang="ko-KR" dirty="0"/>
+              <a:t>2</a:t>
+            </a:r>
+            <a:endParaRPr lang="ko-KR" altLang="en-US" dirty="0"/>
           </a:p>
         </p:txBody>
       </p:sp>
@@ -13641,7 +13697,7 @@
           <p:cNvPr id="85" name="육각형 84">
             <a:extLst>
               <a:ext uri="{FF2B5EF4-FFF2-40B4-BE49-F238E27FC236}">
-                <a16:creationId xmlns:a16="http://schemas.microsoft.com/office/drawing/2014/main" xmlns="" id="{BF8BDF5F-B6D0-2C20-E01F-D2B920227E42}"/>
+                <a16:creationId xmlns:a16="http://schemas.microsoft.com/office/drawing/2014/main" id="{BF8BDF5F-B6D0-2C20-E01F-D2B920227E42}"/>
               </a:ext>
             </a:extLst>
           </p:cNvPr>
@@ -13698,7 +13754,7 @@
           <p:cNvPr id="72" name="육각형 71">
             <a:extLst>
               <a:ext uri="{FF2B5EF4-FFF2-40B4-BE49-F238E27FC236}">
-                <a16:creationId xmlns:a16="http://schemas.microsoft.com/office/drawing/2014/main" xmlns="" id="{3AB9CB6C-963A-833F-851E-E3D283418C74}"/>
+                <a16:creationId xmlns:a16="http://schemas.microsoft.com/office/drawing/2014/main" id="{3AB9CB6C-963A-833F-851E-E3D283418C74}"/>
               </a:ext>
             </a:extLst>
           </p:cNvPr>
@@ -13743,7 +13799,11 @@
           <a:lstStyle/>
           <a:p>
             <a:pPr algn="ctr"/>
-            <a:endParaRPr lang="ko-KR" altLang="en-US"/>
+            <a:r>
+              <a:rPr lang="en-US" altLang="ko-KR" dirty="0"/>
+              <a:t>1</a:t>
+            </a:r>
+            <a:endParaRPr lang="ko-KR" altLang="en-US" dirty="0"/>
           </a:p>
         </p:txBody>
       </p:sp>
@@ -13752,7 +13812,7 @@
           <p:cNvPr id="73" name="육각형 72">
             <a:extLst>
               <a:ext uri="{FF2B5EF4-FFF2-40B4-BE49-F238E27FC236}">
-                <a16:creationId xmlns:a16="http://schemas.microsoft.com/office/drawing/2014/main" xmlns="" id="{4C9850CA-32CA-25F9-7149-E56DD62DAD7F}"/>
+                <a16:creationId xmlns:a16="http://schemas.microsoft.com/office/drawing/2014/main" id="{4C9850CA-32CA-25F9-7149-E56DD62DAD7F}"/>
               </a:ext>
             </a:extLst>
           </p:cNvPr>
@@ -13806,7 +13866,7 @@
           <p:cNvPr id="74" name="육각형 73">
             <a:extLst>
               <a:ext uri="{FF2B5EF4-FFF2-40B4-BE49-F238E27FC236}">
-                <a16:creationId xmlns:a16="http://schemas.microsoft.com/office/drawing/2014/main" xmlns="" id="{04A3A022-02FB-B363-AC91-36FA6809F28A}"/>
+                <a16:creationId xmlns:a16="http://schemas.microsoft.com/office/drawing/2014/main" id="{04A3A022-02FB-B363-AC91-36FA6809F28A}"/>
               </a:ext>
             </a:extLst>
           </p:cNvPr>
@@ -13863,7 +13923,7 @@
           <p:cNvPr id="75" name="육각형 74">
             <a:extLst>
               <a:ext uri="{FF2B5EF4-FFF2-40B4-BE49-F238E27FC236}">
-                <a16:creationId xmlns:a16="http://schemas.microsoft.com/office/drawing/2014/main" xmlns="" id="{67FC1963-4EA1-5853-8AF7-7B806DACF43C}"/>
+                <a16:creationId xmlns:a16="http://schemas.microsoft.com/office/drawing/2014/main" id="{67FC1963-4EA1-5853-8AF7-7B806DACF43C}"/>
               </a:ext>
             </a:extLst>
           </p:cNvPr>
@@ -13910,7 +13970,11 @@
           <a:lstStyle/>
           <a:p>
             <a:pPr algn="ctr"/>
-            <a:endParaRPr lang="ko-KR" altLang="en-US"/>
+            <a:r>
+              <a:rPr lang="en-US" altLang="ko-KR" dirty="0"/>
+              <a:t>1</a:t>
+            </a:r>
+            <a:endParaRPr lang="ko-KR" altLang="en-US" dirty="0"/>
           </a:p>
         </p:txBody>
       </p:sp>
@@ -13919,7 +13983,7 @@
           <p:cNvPr id="76" name="육각형 75">
             <a:extLst>
               <a:ext uri="{FF2B5EF4-FFF2-40B4-BE49-F238E27FC236}">
-                <a16:creationId xmlns:a16="http://schemas.microsoft.com/office/drawing/2014/main" xmlns="" id="{61C061D0-0990-1CF8-2E5C-6502C7AB3DE8}"/>
+                <a16:creationId xmlns:a16="http://schemas.microsoft.com/office/drawing/2014/main" id="{61C061D0-0990-1CF8-2E5C-6502C7AB3DE8}"/>
               </a:ext>
             </a:extLst>
           </p:cNvPr>
@@ -13964,7 +14028,11 @@
           <a:lstStyle/>
           <a:p>
             <a:pPr algn="ctr"/>
-            <a:endParaRPr lang="ko-KR" altLang="en-US"/>
+            <a:r>
+              <a:rPr lang="en-US" altLang="ko-KR" dirty="0"/>
+              <a:t>2</a:t>
+            </a:r>
+            <a:endParaRPr lang="ko-KR" altLang="en-US" dirty="0"/>
           </a:p>
         </p:txBody>
       </p:sp>
@@ -13973,7 +14041,7 @@
           <p:cNvPr id="77" name="육각형 76">
             <a:extLst>
               <a:ext uri="{FF2B5EF4-FFF2-40B4-BE49-F238E27FC236}">
-                <a16:creationId xmlns:a16="http://schemas.microsoft.com/office/drawing/2014/main" xmlns="" id="{DB57609F-EE0B-BA52-31C0-14A6CCF1D870}"/>
+                <a16:creationId xmlns:a16="http://schemas.microsoft.com/office/drawing/2014/main" id="{DB57609F-EE0B-BA52-31C0-14A6CCF1D870}"/>
               </a:ext>
             </a:extLst>
           </p:cNvPr>
@@ -14072,10 +14140,9 @@
               <a:buNone/>
             </a:pPr>
             <a:r>
-              <a:rPr lang="ko-KR" altLang="en-US" dirty="0" smtClean="0"/>
+              <a:rPr lang="ko-KR" altLang="en-US" dirty="0"/>
               <a:t>배치 방식</a:t>
             </a:r>
-            <a:endParaRPr lang="ko-KR" altLang="en-US" dirty="0"/>
           </a:p>
         </p:txBody>
       </p:sp>
@@ -14343,7 +14410,7 @@
           <p:cNvPr id="56" name="Google Shape;97;p2">
             <a:extLst>
               <a:ext uri="{FF2B5EF4-FFF2-40B4-BE49-F238E27FC236}">
-                <a16:creationId xmlns="" xmlns:a16="http://schemas.microsoft.com/office/drawing/2014/main" id="{62588F5F-EF44-4D87-B105-53BCC0462955}"/>
+                <a16:creationId xmlns:a16="http://schemas.microsoft.com/office/drawing/2014/main" id="{62588F5F-EF44-4D87-B105-53BCC0462955}"/>
               </a:ext>
             </a:extLst>
           </p:cNvPr>
@@ -14377,7 +14444,7 @@
           <p:cNvPr id="31" name="TextBox 30">
             <a:extLst>
               <a:ext uri="{FF2B5EF4-FFF2-40B4-BE49-F238E27FC236}">
-                <a16:creationId xmlns="" xmlns:a16="http://schemas.microsoft.com/office/drawing/2014/main" id="{CC75C9D9-15F2-4CB0-A798-8F3CE0486109}"/>
+                <a16:creationId xmlns:a16="http://schemas.microsoft.com/office/drawing/2014/main" id="{CC75C9D9-15F2-4CB0-A798-8F3CE0486109}"/>
               </a:ext>
             </a:extLst>
           </p:cNvPr>
@@ -14406,13 +14473,13 @@
               </a:lnSpc>
             </a:pPr>
             <a:r>
-              <a:rPr lang="ko-KR" altLang="en-US" sz="1200" b="1" dirty="0" smtClean="0">
+              <a:rPr lang="ko-KR" altLang="en-US" sz="1200" b="1" dirty="0">
                 <a:latin typeface="+mn-ea"/>
                 <a:ea typeface="+mn-ea"/>
               </a:rPr>
               <a:t>예시용 테이블에 적용된 방식</a:t>
             </a:r>
-            <a:endParaRPr lang="en-US" altLang="ko-KR" sz="1200" b="1" dirty="0" smtClean="0">
+            <a:endParaRPr lang="en-US" altLang="ko-KR" sz="1200" b="1" dirty="0">
               <a:latin typeface="+mn-ea"/>
               <a:ea typeface="+mn-ea"/>
             </a:endParaRPr>
@@ -14426,60 +14493,53 @@
               <a:buChar char="•"/>
             </a:pPr>
             <a:r>
-              <a:rPr lang="ko-KR" altLang="en-US" sz="1200" dirty="0" smtClean="0">
+              <a:rPr lang="ko-KR" altLang="en-US" sz="1200" dirty="0">
                 <a:latin typeface="+mn-ea"/>
                 <a:ea typeface="+mn-ea"/>
               </a:rPr>
               <a:t>모든 타일은 </a:t>
             </a:r>
             <a:r>
-              <a:rPr lang="ko-KR" altLang="en-US" sz="1200" dirty="0" err="1" smtClean="0">
+              <a:rPr lang="ko-KR" altLang="en-US" sz="1200" dirty="0" err="1">
                 <a:latin typeface="+mn-ea"/>
                 <a:ea typeface="+mn-ea"/>
               </a:rPr>
               <a:t>프리팹을</a:t>
             </a:r>
             <a:r>
-              <a:rPr lang="ko-KR" altLang="en-US" sz="1200" dirty="0" smtClean="0">
+              <a:rPr lang="ko-KR" altLang="en-US" sz="1200" dirty="0">
                 <a:latin typeface="+mn-ea"/>
                 <a:ea typeface="+mn-ea"/>
               </a:rPr>
               <a:t> 소환 하는 방식으로 </a:t>
             </a:r>
-            <a:r>
-              <a:rPr lang="en-US" altLang="ko-KR" sz="1200" dirty="0" smtClean="0">
-                <a:latin typeface="+mn-ea"/>
-                <a:ea typeface="+mn-ea"/>
-              </a:rPr>
-              <a:t/>
-            </a:r>
             <a:br>
-              <a:rPr lang="en-US" altLang="ko-KR" sz="1200" dirty="0" smtClean="0">
+              <a:rPr lang="en-US" altLang="ko-KR" sz="1200" dirty="0">
                 <a:latin typeface="+mn-ea"/>
                 <a:ea typeface="+mn-ea"/>
               </a:rPr>
             </a:br>
             <a:r>
-              <a:rPr lang="ko-KR" altLang="en-US" sz="1200" dirty="0" smtClean="0">
+              <a:rPr lang="ko-KR" altLang="en-US" sz="1200" dirty="0">
                 <a:latin typeface="+mn-ea"/>
                 <a:ea typeface="+mn-ea"/>
               </a:rPr>
               <a:t>구성한다</a:t>
             </a:r>
             <a:r>
-              <a:rPr lang="en-US" altLang="ko-KR" sz="1200" dirty="0" smtClean="0">
+              <a:rPr lang="en-US" altLang="ko-KR" sz="1200" dirty="0">
                 <a:latin typeface="+mn-ea"/>
                 <a:ea typeface="+mn-ea"/>
               </a:rPr>
               <a:t>.</a:t>
             </a:r>
             <a:br>
-              <a:rPr lang="en-US" altLang="ko-KR" sz="1200" dirty="0" smtClean="0">
+              <a:rPr lang="en-US" altLang="ko-KR" sz="1200" dirty="0">
                 <a:latin typeface="+mn-ea"/>
                 <a:ea typeface="+mn-ea"/>
               </a:rPr>
             </a:br>
-            <a:endParaRPr lang="en-US" altLang="ko-KR" sz="1200" dirty="0" smtClean="0">
+            <a:endParaRPr lang="en-US" altLang="ko-KR" sz="1200" dirty="0">
               <a:latin typeface="+mn-ea"/>
               <a:ea typeface="+mn-ea"/>
             </a:endParaRPr>
@@ -14493,199 +14553,171 @@
               <a:buChar char="•"/>
             </a:pPr>
             <a:r>
-              <a:rPr lang="ko-KR" altLang="en-US" sz="1200" dirty="0" smtClean="0">
+              <a:rPr lang="ko-KR" altLang="en-US" sz="1200" dirty="0">
                 <a:latin typeface="+mn-ea"/>
                 <a:ea typeface="+mn-ea"/>
               </a:rPr>
               <a:t>테이블에 나와있는 배치를 사용</a:t>
             </a:r>
-            <a:r>
-              <a:rPr lang="en-US" altLang="ko-KR" sz="1200" dirty="0" smtClean="0">
-                <a:latin typeface="+mn-ea"/>
-                <a:ea typeface="+mn-ea"/>
-              </a:rPr>
-              <a:t/>
-            </a:r>
             <a:br>
-              <a:rPr lang="en-US" altLang="ko-KR" sz="1200" dirty="0" smtClean="0">
+              <a:rPr lang="en-US" altLang="ko-KR" sz="1200" dirty="0">
                 <a:latin typeface="+mn-ea"/>
                 <a:ea typeface="+mn-ea"/>
               </a:rPr>
             </a:br>
             <a:r>
-              <a:rPr lang="ko-KR" altLang="en-US" sz="1200" dirty="0" smtClean="0">
+              <a:rPr lang="ko-KR" altLang="en-US" sz="1200" dirty="0">
                 <a:latin typeface="+mn-ea"/>
                 <a:ea typeface="+mn-ea"/>
               </a:rPr>
               <a:t>녹색 </a:t>
             </a:r>
             <a:r>
-              <a:rPr lang="en-US" altLang="ko-KR" sz="1200" dirty="0" smtClean="0">
+              <a:rPr lang="en-US" altLang="ko-KR" sz="1200" dirty="0">
                 <a:latin typeface="+mn-ea"/>
                 <a:ea typeface="+mn-ea"/>
               </a:rPr>
               <a:t>: </a:t>
             </a:r>
             <a:r>
-              <a:rPr lang="ko-KR" altLang="en-US" sz="1200" dirty="0" smtClean="0">
+              <a:rPr lang="ko-KR" altLang="en-US" sz="1200" dirty="0">
                 <a:latin typeface="+mn-ea"/>
                 <a:ea typeface="+mn-ea"/>
               </a:rPr>
               <a:t>아이템 및 시작 </a:t>
             </a:r>
             <a:r>
-              <a:rPr lang="ko-KR" altLang="en-US" sz="1200" dirty="0" err="1" smtClean="0">
+              <a:rPr lang="ko-KR" altLang="en-US" sz="1200" dirty="0" err="1">
                 <a:latin typeface="+mn-ea"/>
                 <a:ea typeface="+mn-ea"/>
               </a:rPr>
               <a:t>프리팹을</a:t>
             </a:r>
             <a:r>
-              <a:rPr lang="ko-KR" altLang="en-US" sz="1200" dirty="0" smtClean="0">
+              <a:rPr lang="ko-KR" altLang="en-US" sz="1200" dirty="0">
                 <a:latin typeface="+mn-ea"/>
                 <a:ea typeface="+mn-ea"/>
               </a:rPr>
               <a:t> 가진 지형</a:t>
             </a:r>
-            <a:r>
-              <a:rPr lang="en-US" altLang="ko-KR" sz="1200" dirty="0" smtClean="0">
-                <a:latin typeface="+mn-ea"/>
-                <a:ea typeface="+mn-ea"/>
-              </a:rPr>
-              <a:t/>
-            </a:r>
             <a:br>
-              <a:rPr lang="en-US" altLang="ko-KR" sz="1200" dirty="0" smtClean="0">
+              <a:rPr lang="en-US" altLang="ko-KR" sz="1200" dirty="0">
                 <a:latin typeface="+mn-ea"/>
                 <a:ea typeface="+mn-ea"/>
               </a:rPr>
             </a:br>
             <a:r>
-              <a:rPr lang="ko-KR" altLang="en-US" sz="1200" dirty="0" smtClean="0">
+              <a:rPr lang="ko-KR" altLang="en-US" sz="1200" dirty="0">
                 <a:latin typeface="+mn-ea"/>
                 <a:ea typeface="+mn-ea"/>
               </a:rPr>
               <a:t>빨강 </a:t>
             </a:r>
             <a:r>
-              <a:rPr lang="en-US" altLang="ko-KR" sz="1200" dirty="0" smtClean="0">
+              <a:rPr lang="en-US" altLang="ko-KR" sz="1200" dirty="0">
                 <a:latin typeface="+mn-ea"/>
                 <a:ea typeface="+mn-ea"/>
               </a:rPr>
               <a:t>: </a:t>
             </a:r>
             <a:r>
-              <a:rPr lang="ko-KR" altLang="en-US" sz="1200" dirty="0" err="1" smtClean="0">
+              <a:rPr lang="ko-KR" altLang="en-US" sz="1200" dirty="0" err="1">
                 <a:latin typeface="+mn-ea"/>
                 <a:ea typeface="+mn-ea"/>
               </a:rPr>
               <a:t>버프</a:t>
             </a:r>
             <a:r>
-              <a:rPr lang="ko-KR" altLang="en-US" sz="1200" dirty="0" smtClean="0">
+              <a:rPr lang="ko-KR" altLang="en-US" sz="1200" dirty="0">
                 <a:latin typeface="+mn-ea"/>
                 <a:ea typeface="+mn-ea"/>
               </a:rPr>
               <a:t> </a:t>
             </a:r>
             <a:r>
-              <a:rPr lang="ko-KR" altLang="en-US" sz="1200" dirty="0" err="1" smtClean="0">
+              <a:rPr lang="ko-KR" altLang="en-US" sz="1200" dirty="0" err="1">
                 <a:latin typeface="+mn-ea"/>
                 <a:ea typeface="+mn-ea"/>
               </a:rPr>
               <a:t>디버프가</a:t>
             </a:r>
             <a:r>
-              <a:rPr lang="ko-KR" altLang="en-US" sz="1200" dirty="0" smtClean="0">
+              <a:rPr lang="ko-KR" altLang="en-US" sz="1200" dirty="0">
                 <a:latin typeface="+mn-ea"/>
                 <a:ea typeface="+mn-ea"/>
               </a:rPr>
               <a:t> 소환된 </a:t>
             </a:r>
             <a:r>
-              <a:rPr lang="ko-KR" altLang="en-US" sz="1200" dirty="0" err="1" smtClean="0">
+              <a:rPr lang="ko-KR" altLang="en-US" sz="1200" dirty="0" err="1">
                 <a:latin typeface="+mn-ea"/>
                 <a:ea typeface="+mn-ea"/>
               </a:rPr>
               <a:t>프리팹</a:t>
             </a:r>
-            <a:r>
-              <a:rPr lang="en-US" altLang="ko-KR" sz="1200" dirty="0" smtClean="0">
-                <a:latin typeface="+mn-ea"/>
-                <a:ea typeface="+mn-ea"/>
-              </a:rPr>
-              <a:t/>
-            </a:r>
             <a:br>
-              <a:rPr lang="en-US" altLang="ko-KR" sz="1200" dirty="0" smtClean="0">
+              <a:rPr lang="en-US" altLang="ko-KR" sz="1200" dirty="0">
                 <a:latin typeface="+mn-ea"/>
                 <a:ea typeface="+mn-ea"/>
               </a:rPr>
             </a:br>
             <a:r>
-              <a:rPr lang="ko-KR" altLang="en-US" sz="1200" dirty="0" smtClean="0">
+              <a:rPr lang="ko-KR" altLang="en-US" sz="1200" dirty="0">
                 <a:latin typeface="+mn-ea"/>
                 <a:ea typeface="+mn-ea"/>
               </a:rPr>
               <a:t>회색 </a:t>
             </a:r>
             <a:r>
-              <a:rPr lang="en-US" altLang="ko-KR" sz="1200" dirty="0" smtClean="0">
+              <a:rPr lang="en-US" altLang="ko-KR" sz="1200" dirty="0">
                 <a:latin typeface="+mn-ea"/>
                 <a:ea typeface="+mn-ea"/>
               </a:rPr>
               <a:t>: </a:t>
             </a:r>
             <a:r>
-              <a:rPr lang="ko-KR" altLang="en-US" sz="1200" dirty="0" smtClean="0">
+              <a:rPr lang="ko-KR" altLang="en-US" sz="1200" dirty="0">
                 <a:latin typeface="+mn-ea"/>
                 <a:ea typeface="+mn-ea"/>
               </a:rPr>
               <a:t>이동 불가 지역</a:t>
             </a:r>
-            <a:r>
-              <a:rPr lang="en-US" altLang="ko-KR" sz="1200" dirty="0" smtClean="0">
-                <a:latin typeface="+mn-ea"/>
-                <a:ea typeface="+mn-ea"/>
-              </a:rPr>
-              <a:t/>
-            </a:r>
             <a:br>
-              <a:rPr lang="en-US" altLang="ko-KR" sz="1200" dirty="0" smtClean="0">
+              <a:rPr lang="en-US" altLang="ko-KR" sz="1200" dirty="0">
                 <a:latin typeface="+mn-ea"/>
                 <a:ea typeface="+mn-ea"/>
               </a:rPr>
             </a:br>
             <a:r>
-              <a:rPr lang="ko-KR" altLang="en-US" sz="1200" dirty="0" smtClean="0">
+              <a:rPr lang="ko-KR" altLang="en-US" sz="1200" dirty="0">
                 <a:latin typeface="+mn-ea"/>
                 <a:ea typeface="+mn-ea"/>
               </a:rPr>
               <a:t>보스 </a:t>
             </a:r>
             <a:r>
-              <a:rPr lang="en-US" altLang="ko-KR" sz="1200" dirty="0" smtClean="0">
+              <a:rPr lang="en-US" altLang="ko-KR" sz="1200" dirty="0">
                 <a:latin typeface="+mn-ea"/>
                 <a:ea typeface="+mn-ea"/>
               </a:rPr>
               <a:t>: </a:t>
             </a:r>
             <a:r>
-              <a:rPr lang="ko-KR" altLang="en-US" sz="1200" dirty="0" smtClean="0">
+              <a:rPr lang="ko-KR" altLang="en-US" sz="1200" dirty="0">
                 <a:latin typeface="+mn-ea"/>
                 <a:ea typeface="+mn-ea"/>
               </a:rPr>
               <a:t>해당 위치에 보스 </a:t>
             </a:r>
             <a:r>
-              <a:rPr lang="ko-KR" altLang="en-US" sz="1200" err="1" smtClean="0">
+              <a:rPr lang="ko-KR" altLang="en-US" sz="1200" err="1">
                 <a:latin typeface="+mn-ea"/>
                 <a:ea typeface="+mn-ea"/>
               </a:rPr>
               <a:t>몬스터</a:t>
             </a:r>
             <a:r>
-              <a:rPr lang="ko-KR" altLang="en-US" sz="1200" smtClean="0">
+              <a:rPr lang="ko-KR" altLang="en-US" sz="1200">
                 <a:latin typeface="+mn-ea"/>
                 <a:ea typeface="+mn-ea"/>
               </a:rPr>
@@ -14703,7 +14735,7 @@
           <p:cNvPr id="62" name="그림 61">
             <a:extLst>
               <a:ext uri="{FF2B5EF4-FFF2-40B4-BE49-F238E27FC236}">
-                <a16:creationId xmlns="" xmlns:a16="http://schemas.microsoft.com/office/drawing/2014/main" id="{B6CF988E-0FDC-45AC-AE29-A91246C62D79}"/>
+                <a16:creationId xmlns:a16="http://schemas.microsoft.com/office/drawing/2014/main" id="{B6CF988E-0FDC-45AC-AE29-A91246C62D79}"/>
               </a:ext>
             </a:extLst>
           </p:cNvPr>

--- a/기획자료/PYG_맵_시스템_김세윤.pptx
+++ b/기획자료/PYG_맵_시스템_김세윤.pptx
@@ -261,7 +261,7 @@
       <p15:notesGuideLst xmlns:p15="http://schemas.microsoft.com/office/powerpoint/2012/main"/>
     </p:ext>
     <p:ext uri="http://customooxmlschemas.google.com/">
-      <go:slidesCustomData xmlns="" xmlns:mc="http://schemas.openxmlformats.org/markup-compatibility/2006" xmlns:mv="urn:schemas-microsoft-com:mac:vml" xmlns:c="http://schemas.openxmlformats.org/drawingml/2006/chart" xmlns:dgm="http://schemas.openxmlformats.org/drawingml/2006/diagram" xmlns:o="urn:schemas-microsoft-com:office:office" xmlns:v="urn:schemas-microsoft-com:vml" xmlns:pvml="urn:schemas-microsoft-com:office:powerpoint" xmlns:com="http://schemas.openxmlformats.org/drawingml/2006/compatibility" xmlns:p14="http://schemas.microsoft.com/office/powerpoint/2010/main" xmlns:p15="http://schemas.microsoft.com/office/powerpoint/2012/main" xmlns:ahyp="http://schemas.microsoft.com/office/drawing/2018/hyperlinkcolor" xmlns:go="http://customooxmlschemas.google.com/" r:id="rId16" roundtripDataSignature="AMtx7mjoc8yIVULp6K+dfz3fr5kxV1yK+Q=="/>
+      <go:slidesCustomData xmlns:go="http://customooxmlschemas.google.com/" xmlns:ahyp="http://schemas.microsoft.com/office/drawing/2018/hyperlinkcolor" xmlns:p15="http://schemas.microsoft.com/office/powerpoint/2012/main" xmlns:p14="http://schemas.microsoft.com/office/powerpoint/2010/main" xmlns:com="http://schemas.openxmlformats.org/drawingml/2006/compatibility" xmlns:pvml="urn:schemas-microsoft-com:office:powerpoint" xmlns:v="urn:schemas-microsoft-com:vml" xmlns:o="urn:schemas-microsoft-com:office:office" xmlns:dgm="http://schemas.openxmlformats.org/drawingml/2006/diagram" xmlns:c="http://schemas.openxmlformats.org/drawingml/2006/chart" xmlns:mv="urn:schemas-microsoft-com:mac:vml" xmlns:mc="http://schemas.openxmlformats.org/markup-compatibility/2006" xmlns="" r:id="rId16" roundtripDataSignature="AMtx7mjoc8yIVULp6K+dfz3fr5kxV1yK+Q=="/>
     </p:ext>
   </p:extLst>
 </p:presentation>
@@ -12370,7 +12370,7 @@
         </p:nvSpPr>
         <p:spPr>
           <a:xfrm rot="16200000">
-            <a:off x="766894" y="1761983"/>
+            <a:off x="1304780" y="1761983"/>
             <a:ext cx="1088069" cy="937991"/>
           </a:xfrm>
           <a:prstGeom prst="hexagon">
@@ -12428,7 +12428,7 @@
         </p:nvSpPr>
         <p:spPr>
           <a:xfrm rot="16200000">
-            <a:off x="1764871" y="1761983"/>
+            <a:off x="2302757" y="1761983"/>
             <a:ext cx="1088069" cy="937991"/>
           </a:xfrm>
           <a:prstGeom prst="hexagon">
@@ -12482,7 +12482,7 @@
         </p:nvSpPr>
         <p:spPr>
           <a:xfrm rot="16200000">
-            <a:off x="2762844" y="1761983"/>
+            <a:off x="3300730" y="1761983"/>
             <a:ext cx="1088070" cy="937991"/>
           </a:xfrm>
           <a:prstGeom prst="hexagon">
@@ -12539,7 +12539,7 @@
         </p:nvSpPr>
         <p:spPr>
           <a:xfrm rot="16200000">
-            <a:off x="3760822" y="1761983"/>
+            <a:off x="4298708" y="1761983"/>
             <a:ext cx="1088070" cy="937991"/>
           </a:xfrm>
           <a:prstGeom prst="hexagon">
@@ -12596,7 +12596,7 @@
         </p:nvSpPr>
         <p:spPr>
           <a:xfrm rot="16200000">
-            <a:off x="4758795" y="1761983"/>
+            <a:off x="5296681" y="1761983"/>
             <a:ext cx="1088070" cy="937991"/>
           </a:xfrm>
           <a:prstGeom prst="hexagon">
@@ -12654,7 +12654,7 @@
         </p:nvSpPr>
         <p:spPr>
           <a:xfrm rot="16200000">
-            <a:off x="5756773" y="1761983"/>
+            <a:off x="6294659" y="1761983"/>
             <a:ext cx="1088069" cy="937991"/>
           </a:xfrm>
           <a:prstGeom prst="hexagon">
@@ -12714,7 +12714,7 @@
         </p:nvSpPr>
         <p:spPr>
           <a:xfrm rot="16200000">
-            <a:off x="1271373" y="2653608"/>
+            <a:off x="807173" y="2653608"/>
             <a:ext cx="1088069" cy="937990"/>
           </a:xfrm>
           <a:prstGeom prst="hexagon">
@@ -12774,7 +12774,7 @@
         </p:nvSpPr>
         <p:spPr>
           <a:xfrm rot="16200000">
-            <a:off x="2269348" y="2653608"/>
+            <a:off x="1805148" y="2653608"/>
             <a:ext cx="1088069" cy="937990"/>
           </a:xfrm>
           <a:prstGeom prst="hexagon">
@@ -12831,7 +12831,7 @@
         </p:nvSpPr>
         <p:spPr>
           <a:xfrm rot="16200000">
-            <a:off x="3267323" y="2653608"/>
+            <a:off x="2803123" y="2653608"/>
             <a:ext cx="1088069" cy="937990"/>
           </a:xfrm>
           <a:prstGeom prst="hexagon">
@@ -12891,7 +12891,7 @@
         </p:nvSpPr>
         <p:spPr>
           <a:xfrm rot="16200000">
-            <a:off x="4265298" y="2653608"/>
+            <a:off x="3801098" y="2653608"/>
             <a:ext cx="1088069" cy="937990"/>
           </a:xfrm>
           <a:prstGeom prst="hexagon">
@@ -12951,7 +12951,7 @@
         </p:nvSpPr>
         <p:spPr>
           <a:xfrm rot="16200000">
-            <a:off x="5263273" y="2653608"/>
+            <a:off x="4799073" y="2653608"/>
             <a:ext cx="1088069" cy="937990"/>
           </a:xfrm>
           <a:prstGeom prst="hexagon">
@@ -13005,7 +13005,7 @@
         </p:nvSpPr>
         <p:spPr>
           <a:xfrm rot="16200000">
-            <a:off x="6261248" y="2653608"/>
+            <a:off x="5797048" y="2653608"/>
             <a:ext cx="1088069" cy="937990"/>
           </a:xfrm>
           <a:prstGeom prst="hexagon">
@@ -13065,7 +13065,7 @@
         </p:nvSpPr>
         <p:spPr>
           <a:xfrm rot="16200000">
-            <a:off x="763162" y="3567546"/>
+            <a:off x="1301048" y="3567546"/>
             <a:ext cx="1088065" cy="937990"/>
           </a:xfrm>
           <a:prstGeom prst="hexagon">
@@ -13125,7 +13125,7 @@
         </p:nvSpPr>
         <p:spPr>
           <a:xfrm rot="16200000">
-            <a:off x="1761138" y="3567546"/>
+            <a:off x="2299024" y="3567546"/>
             <a:ext cx="1088065" cy="937990"/>
           </a:xfrm>
           <a:prstGeom prst="hexagon">
@@ -13179,7 +13179,7 @@
         </p:nvSpPr>
         <p:spPr>
           <a:xfrm rot="16200000">
-            <a:off x="2759114" y="3567546"/>
+            <a:off x="3297000" y="3567546"/>
             <a:ext cx="1088065" cy="937990"/>
           </a:xfrm>
           <a:prstGeom prst="hexagon">
@@ -13237,7 +13237,7 @@
         </p:nvSpPr>
         <p:spPr>
           <a:xfrm rot="16200000">
-            <a:off x="3757087" y="3567546"/>
+            <a:off x="4294973" y="3567546"/>
             <a:ext cx="1088065" cy="937990"/>
           </a:xfrm>
           <a:prstGeom prst="hexagon">
@@ -13297,7 +13297,7 @@
         </p:nvSpPr>
         <p:spPr>
           <a:xfrm rot="16200000">
-            <a:off x="4755064" y="3567545"/>
+            <a:off x="5292950" y="3567545"/>
             <a:ext cx="1088066" cy="937990"/>
           </a:xfrm>
           <a:prstGeom prst="hexagon">
@@ -13355,7 +13355,7 @@
         </p:nvSpPr>
         <p:spPr>
           <a:xfrm rot="16200000">
-            <a:off x="5753037" y="3567546"/>
+            <a:off x="6290923" y="3567546"/>
             <a:ext cx="1088068" cy="937990"/>
           </a:xfrm>
           <a:prstGeom prst="hexagon">
@@ -13415,7 +13415,7 @@
         </p:nvSpPr>
         <p:spPr>
           <a:xfrm rot="16200000">
-            <a:off x="1267642" y="4466830"/>
+            <a:off x="803442" y="4466830"/>
             <a:ext cx="1088068" cy="937990"/>
           </a:xfrm>
           <a:prstGeom prst="hexagon">
@@ -13472,7 +13472,7 @@
         </p:nvSpPr>
         <p:spPr>
           <a:xfrm rot="16200000">
-            <a:off x="2265616" y="4466829"/>
+            <a:off x="1801416" y="4466829"/>
             <a:ext cx="1088066" cy="937990"/>
           </a:xfrm>
           <a:prstGeom prst="hexagon">
@@ -13532,7 +13532,7 @@
         </p:nvSpPr>
         <p:spPr>
           <a:xfrm rot="16200000">
-            <a:off x="3263591" y="4466830"/>
+            <a:off x="2799391" y="4466830"/>
             <a:ext cx="1088065" cy="937990"/>
           </a:xfrm>
           <a:prstGeom prst="hexagon">
@@ -13589,7 +13589,7 @@
         </p:nvSpPr>
         <p:spPr>
           <a:xfrm rot="16200000">
-            <a:off x="4261565" y="4466830"/>
+            <a:off x="3797365" y="4466830"/>
             <a:ext cx="1088065" cy="937990"/>
           </a:xfrm>
           <a:prstGeom prst="hexagon">
@@ -13646,7 +13646,7 @@
         </p:nvSpPr>
         <p:spPr>
           <a:xfrm rot="16200000">
-            <a:off x="5259540" y="4466830"/>
+            <a:off x="4795340" y="4466830"/>
             <a:ext cx="1088065" cy="937990"/>
           </a:xfrm>
           <a:prstGeom prst="hexagon">
@@ -13706,7 +13706,7 @@
         </p:nvSpPr>
         <p:spPr>
           <a:xfrm rot="16200000">
-            <a:off x="6257515" y="4466830"/>
+            <a:off x="5793315" y="4466830"/>
             <a:ext cx="1088065" cy="937990"/>
           </a:xfrm>
           <a:prstGeom prst="hexagon">
@@ -13763,7 +13763,7 @@
         </p:nvSpPr>
         <p:spPr>
           <a:xfrm rot="16200000">
-            <a:off x="763164" y="5387976"/>
+            <a:off x="1301050" y="5387976"/>
             <a:ext cx="1088065" cy="937991"/>
           </a:xfrm>
           <a:prstGeom prst="hexagon">
@@ -13821,7 +13821,7 @@
         </p:nvSpPr>
         <p:spPr>
           <a:xfrm rot="16200000">
-            <a:off x="1761136" y="5387976"/>
+            <a:off x="2299022" y="5387976"/>
             <a:ext cx="1088065" cy="937991"/>
           </a:xfrm>
           <a:prstGeom prst="hexagon">
@@ -13875,7 +13875,7 @@
         </p:nvSpPr>
         <p:spPr>
           <a:xfrm rot="16200000">
-            <a:off x="2759116" y="5387976"/>
+            <a:off x="3297002" y="5387976"/>
             <a:ext cx="1088065" cy="937991"/>
           </a:xfrm>
           <a:prstGeom prst="hexagon">
@@ -13932,7 +13932,7 @@
         </p:nvSpPr>
         <p:spPr>
           <a:xfrm rot="16200000">
-            <a:off x="3757091" y="5387980"/>
+            <a:off x="4294977" y="5387980"/>
             <a:ext cx="1088067" cy="937991"/>
           </a:xfrm>
           <a:prstGeom prst="hexagon">
@@ -13992,7 +13992,7 @@
         </p:nvSpPr>
         <p:spPr>
           <a:xfrm rot="16200000">
-            <a:off x="4755065" y="5387976"/>
+            <a:off x="5292951" y="5387976"/>
             <a:ext cx="1088067" cy="937991"/>
           </a:xfrm>
           <a:prstGeom prst="hexagon">
@@ -14050,7 +14050,7 @@
         </p:nvSpPr>
         <p:spPr>
           <a:xfrm rot="16200000">
-            <a:off x="5753038" y="5387977"/>
+            <a:off x="6290924" y="5387977"/>
             <a:ext cx="1088068" cy="937991"/>
           </a:xfrm>
           <a:prstGeom prst="hexagon">
@@ -14707,21 +14707,7 @@
                 <a:latin typeface="+mn-ea"/>
                 <a:ea typeface="+mn-ea"/>
               </a:rPr>
-              <a:t>해당 위치에 보스 </a:t>
-            </a:r>
-            <a:r>
-              <a:rPr lang="ko-KR" altLang="en-US" sz="1200" err="1">
-                <a:latin typeface="+mn-ea"/>
-                <a:ea typeface="+mn-ea"/>
-              </a:rPr>
-              <a:t>몬스터</a:t>
-            </a:r>
-            <a:r>
-              <a:rPr lang="ko-KR" altLang="en-US" sz="1200">
-                <a:latin typeface="+mn-ea"/>
-                <a:ea typeface="+mn-ea"/>
-              </a:rPr>
-              <a:t> 소환</a:t>
+              <a:t>해당 위치에 보스 몬스터 소환</a:t>
             </a:r>
             <a:endParaRPr lang="en-US" altLang="ko-KR" sz="1200" dirty="0">
               <a:latin typeface="+mn-ea"/>
@@ -14758,7 +14744,7 @@
         </p:blipFill>
         <p:spPr>
           <a:xfrm>
-            <a:off x="2463264" y="2701413"/>
+            <a:off x="3001150" y="2701413"/>
             <a:ext cx="758876" cy="758876"/>
           </a:xfrm>
           <a:prstGeom prst="rect">

--- a/기획자료/PYG_맵_시스템_김세윤.pptx
+++ b/기획자료/PYG_맵_시스템_김세윤.pptx
@@ -5,11 +5,12 @@
     <p:sldMasterId id="2147483648" r:id="rId1"/>
   </p:sldMasterIdLst>
   <p:notesMasterIdLst>
-    <p:notesMasterId r:id="rId4"/>
+    <p:notesMasterId r:id="rId5"/>
   </p:notesMasterIdLst>
   <p:sldIdLst>
     <p:sldId id="256" r:id="rId2"/>
     <p:sldId id="264" r:id="rId3"/>
+    <p:sldId id="265" r:id="rId4"/>
   </p:sldIdLst>
   <p:sldSz cx="12192000" cy="6858000"/>
   <p:notesSz cx="6858000" cy="9144000"/>
@@ -261,7 +262,7 @@
       <p15:notesGuideLst xmlns:p15="http://schemas.microsoft.com/office/powerpoint/2012/main"/>
     </p:ext>
     <p:ext uri="http://customooxmlschemas.google.com/">
-      <go:slidesCustomData xmlns:go="http://customooxmlschemas.google.com/" xmlns:ahyp="http://schemas.microsoft.com/office/drawing/2018/hyperlinkcolor" xmlns:p15="http://schemas.microsoft.com/office/powerpoint/2012/main" xmlns:p14="http://schemas.microsoft.com/office/powerpoint/2010/main" xmlns:com="http://schemas.openxmlformats.org/drawingml/2006/compatibility" xmlns:pvml="urn:schemas-microsoft-com:office:powerpoint" xmlns:v="urn:schemas-microsoft-com:vml" xmlns:o="urn:schemas-microsoft-com:office:office" xmlns:dgm="http://schemas.openxmlformats.org/drawingml/2006/diagram" xmlns:c="http://schemas.openxmlformats.org/drawingml/2006/chart" xmlns:mv="urn:schemas-microsoft-com:mac:vml" xmlns:mc="http://schemas.openxmlformats.org/markup-compatibility/2006" xmlns="" r:id="rId16" roundtripDataSignature="AMtx7mjoc8yIVULp6K+dfz3fr5kxV1yK+Q=="/>
+      <go:slidesCustomData xmlns="" xmlns:mc="http://schemas.openxmlformats.org/markup-compatibility/2006" xmlns:mv="urn:schemas-microsoft-com:mac:vml" xmlns:c="http://schemas.openxmlformats.org/drawingml/2006/chart" xmlns:dgm="http://schemas.openxmlformats.org/drawingml/2006/diagram" xmlns:o="urn:schemas-microsoft-com:office:office" xmlns:v="urn:schemas-microsoft-com:vml" xmlns:pvml="urn:schemas-microsoft-com:office:powerpoint" xmlns:com="http://schemas.openxmlformats.org/drawingml/2006/compatibility" xmlns:p14="http://schemas.microsoft.com/office/powerpoint/2010/main" xmlns:p15="http://schemas.microsoft.com/office/powerpoint/2012/main" xmlns:ahyp="http://schemas.microsoft.com/office/drawing/2018/hyperlinkcolor" xmlns:go="http://customooxmlschemas.google.com/" r:id="rId16" roundtripDataSignature="AMtx7mjoc8yIVULp6K+dfz3fr5kxV1yK+Q=="/>
     </p:ext>
   </p:extLst>
 </p:presentation>
@@ -1738,6 +1739,179 @@
     <p:extLst>
       <p:ext uri="{BB962C8B-B14F-4D97-AF65-F5344CB8AC3E}">
         <p14:creationId xmlns:p14="http://schemas.microsoft.com/office/powerpoint/2010/main" val="1640321747"/>
+      </p:ext>
+    </p:extLst>
+  </p:cSld>
+  <p:clrMapOvr>
+    <a:masterClrMapping/>
+  </p:clrMapOvr>
+</p:notes>
+</file>
+
+<file path=ppt/notesSlides/notesSlide3.xml><?xml version="1.0" encoding="utf-8"?>
+<p:notes xmlns:a="http://schemas.openxmlformats.org/drawingml/2006/main" xmlns:r="http://schemas.openxmlformats.org/officeDocument/2006/relationships" xmlns:p="http://schemas.openxmlformats.org/presentationml/2006/main" showMasterSp="0" showMasterPhAnim="0">
+  <p:cSld>
+    <p:spTree>
+      <p:nvGrpSpPr>
+        <p:cNvPr id="1" name="Shape 112"/>
+        <p:cNvGrpSpPr/>
+        <p:nvPr/>
+      </p:nvGrpSpPr>
+      <p:grpSpPr>
+        <a:xfrm>
+          <a:off x="0" y="0"/>
+          <a:ext cx="0" cy="0"/>
+          <a:chOff x="0" y="0"/>
+          <a:chExt cx="0" cy="0"/>
+        </a:xfrm>
+      </p:grpSpPr>
+      <p:sp>
+        <p:nvSpPr>
+          <p:cNvPr id="113" name="Google Shape;113;p3:notes"/>
+          <p:cNvSpPr>
+            <a:spLocks noGrp="1" noRot="1" noChangeAspect="1"/>
+          </p:cNvSpPr>
+          <p:nvPr>
+            <p:ph type="sldImg" idx="2"/>
+          </p:nvPr>
+        </p:nvSpPr>
+        <p:spPr>
+          <a:xfrm>
+            <a:off x="685800" y="1143000"/>
+            <a:ext cx="5486400" cy="3086100"/>
+          </a:xfrm>
+          <a:custGeom>
+            <a:avLst/>
+            <a:gdLst/>
+            <a:ahLst/>
+            <a:cxnLst/>
+            <a:rect l="l" t="t" r="r" b="b"/>
+            <a:pathLst>
+              <a:path w="120000" h="120000" extrusionOk="0">
+                <a:moveTo>
+                  <a:pt x="0" y="0"/>
+                </a:moveTo>
+                <a:lnTo>
+                  <a:pt x="120000" y="0"/>
+                </a:lnTo>
+                <a:lnTo>
+                  <a:pt x="120000" y="120000"/>
+                </a:lnTo>
+                <a:lnTo>
+                  <a:pt x="0" y="120000"/>
+                </a:lnTo>
+                <a:close/>
+              </a:path>
+            </a:pathLst>
+          </a:custGeom>
+          <a:noFill/>
+          <a:ln w="12700" cap="flat" cmpd="sng">
+            <a:solidFill>
+              <a:srgbClr val="000000"/>
+            </a:solidFill>
+            <a:prstDash val="solid"/>
+            <a:round/>
+            <a:headEnd type="none" w="sm" len="sm"/>
+            <a:tailEnd type="none" w="sm" len="sm"/>
+          </a:ln>
+        </p:spPr>
+      </p:sp>
+      <p:sp>
+        <p:nvSpPr>
+          <p:cNvPr id="114" name="Google Shape;114;p3:notes"/>
+          <p:cNvSpPr txBox="1">
+            <a:spLocks noGrp="1"/>
+          </p:cNvSpPr>
+          <p:nvPr>
+            <p:ph type="body" idx="1"/>
+          </p:nvPr>
+        </p:nvSpPr>
+        <p:spPr>
+          <a:xfrm>
+            <a:off x="685800" y="4400550"/>
+            <a:ext cx="5486400" cy="3600450"/>
+          </a:xfrm>
+          <a:prstGeom prst="rect">
+            <a:avLst/>
+          </a:prstGeom>
+          <a:noFill/>
+          <a:ln>
+            <a:noFill/>
+          </a:ln>
+        </p:spPr>
+        <p:txBody>
+          <a:bodyPr spcFirstLastPara="1" wrap="square" lIns="91425" tIns="45700" rIns="91425" bIns="45700" anchor="t" anchorCtr="0">
+            <a:noAutofit/>
+          </a:bodyPr>
+          <a:lstStyle/>
+          <a:p>
+            <a:pPr marL="0" lvl="0" indent="0" algn="l" rtl="0">
+              <a:spcBef>
+                <a:spcPts val="0"/>
+              </a:spcBef>
+              <a:spcAft>
+                <a:spcPts val="0"/>
+              </a:spcAft>
+              <a:buNone/>
+            </a:pPr>
+            <a:r>
+              <a:rPr lang="en-US" altLang="ko-KR" dirty="0"/>
+              <a:t>https://assetstore.unity.com/packages/3d/characters/creatures/fightbear-134908</a:t>
+            </a:r>
+            <a:endParaRPr dirty="0"/>
+          </a:p>
+        </p:txBody>
+      </p:sp>
+      <p:sp>
+        <p:nvSpPr>
+          <p:cNvPr id="115" name="Google Shape;115;p3:notes"/>
+          <p:cNvSpPr txBox="1">
+            <a:spLocks noGrp="1"/>
+          </p:cNvSpPr>
+          <p:nvPr>
+            <p:ph type="sldNum" idx="12"/>
+          </p:nvPr>
+        </p:nvSpPr>
+        <p:spPr>
+          <a:xfrm>
+            <a:off x="3884613" y="8685213"/>
+            <a:ext cx="2971800" cy="458787"/>
+          </a:xfrm>
+          <a:prstGeom prst="rect">
+            <a:avLst/>
+          </a:prstGeom>
+          <a:noFill/>
+          <a:ln>
+            <a:noFill/>
+          </a:ln>
+        </p:spPr>
+        <p:txBody>
+          <a:bodyPr spcFirstLastPara="1" wrap="square" lIns="91425" tIns="45700" rIns="91425" bIns="45700" anchor="b" anchorCtr="0">
+            <a:noAutofit/>
+          </a:bodyPr>
+          <a:lstStyle/>
+          <a:p>
+            <a:pPr marL="0" lvl="0" indent="0" algn="r" rtl="0">
+              <a:spcBef>
+                <a:spcPts val="0"/>
+              </a:spcBef>
+              <a:spcAft>
+                <a:spcPts val="0"/>
+              </a:spcAft>
+              <a:buNone/>
+            </a:pPr>
+            <a:fld id="{00000000-1234-1234-1234-123412341234}" type="slidenum">
+              <a:rPr lang="en-US" altLang="ko-KR"/>
+              <a:t>3</a:t>
+            </a:fld>
+            <a:endParaRPr/>
+          </a:p>
+        </p:txBody>
+      </p:sp>
+    </p:spTree>
+    <p:extLst>
+      <p:ext uri="{BB962C8B-B14F-4D97-AF65-F5344CB8AC3E}">
+        <p14:creationId xmlns:p14="http://schemas.microsoft.com/office/powerpoint/2010/main" val="2998480338"/>
       </p:ext>
     </p:extLst>
   </p:cSld>
@@ -14765,6 +14939,2351 @@
 </p:sld>
 </file>
 
+<file path=ppt/slides/slide3.xml><?xml version="1.0" encoding="utf-8"?>
+<p:sld xmlns:a="http://schemas.openxmlformats.org/drawingml/2006/main" xmlns:r="http://schemas.openxmlformats.org/officeDocument/2006/relationships" xmlns:p="http://schemas.openxmlformats.org/presentationml/2006/main">
+  <p:cSld>
+    <p:spTree>
+      <p:nvGrpSpPr>
+        <p:cNvPr id="1" name="Shape 116"/>
+        <p:cNvGrpSpPr/>
+        <p:nvPr/>
+      </p:nvGrpSpPr>
+      <p:grpSpPr>
+        <a:xfrm>
+          <a:off x="0" y="0"/>
+          <a:ext cx="0" cy="0"/>
+          <a:chOff x="0" y="0"/>
+          <a:chExt cx="0" cy="0"/>
+        </a:xfrm>
+      </p:grpSpPr>
+      <p:sp>
+        <p:nvSpPr>
+          <p:cNvPr id="100" name="육각형 99">
+            <a:extLst>
+              <a:ext uri="{FF2B5EF4-FFF2-40B4-BE49-F238E27FC236}">
+                <a16:creationId xmlns:a16="http://schemas.microsoft.com/office/drawing/2014/main" id="{506A4B36-6BFE-9554-BC8C-9CDA9C143FAD}"/>
+              </a:ext>
+            </a:extLst>
+          </p:cNvPr>
+          <p:cNvSpPr/>
+          <p:nvPr/>
+        </p:nvSpPr>
+        <p:spPr>
+          <a:xfrm rot="16200000">
+            <a:off x="1304780" y="1761983"/>
+            <a:ext cx="1088069" cy="937991"/>
+          </a:xfrm>
+          <a:prstGeom prst="hexagon">
+            <a:avLst/>
+          </a:prstGeom>
+          <a:solidFill>
+            <a:schemeClr val="bg1">
+              <a:lumMod val="65000"/>
+            </a:schemeClr>
+          </a:solidFill>
+          <a:ln>
+            <a:solidFill>
+              <a:schemeClr val="tx1"/>
+            </a:solidFill>
+          </a:ln>
+        </p:spPr>
+        <p:style>
+          <a:lnRef idx="2">
+            <a:schemeClr val="accent1">
+              <a:shade val="50000"/>
+            </a:schemeClr>
+          </a:lnRef>
+          <a:fillRef idx="1">
+            <a:schemeClr val="accent1"/>
+          </a:fillRef>
+          <a:effectRef idx="0">
+            <a:schemeClr val="accent1"/>
+          </a:effectRef>
+          <a:fontRef idx="minor">
+            <a:schemeClr val="lt1"/>
+          </a:fontRef>
+        </p:style>
+        <p:txBody>
+          <a:bodyPr rtlCol="0" anchor="ctr"/>
+          <a:lstStyle/>
+          <a:p>
+            <a:pPr algn="ctr"/>
+            <a:endParaRPr lang="ko-KR" altLang="en-US" dirty="0"/>
+          </a:p>
+        </p:txBody>
+      </p:sp>
+      <p:sp>
+        <p:nvSpPr>
+          <p:cNvPr id="101" name="육각형 100">
+            <a:extLst>
+              <a:ext uri="{FF2B5EF4-FFF2-40B4-BE49-F238E27FC236}">
+                <a16:creationId xmlns:a16="http://schemas.microsoft.com/office/drawing/2014/main" id="{3C782660-0B02-BF2D-627A-52C8A43B3965}"/>
+              </a:ext>
+            </a:extLst>
+          </p:cNvPr>
+          <p:cNvSpPr/>
+          <p:nvPr/>
+        </p:nvSpPr>
+        <p:spPr>
+          <a:xfrm rot="16200000">
+            <a:off x="2302757" y="1761983"/>
+            <a:ext cx="1088069" cy="937991"/>
+          </a:xfrm>
+          <a:prstGeom prst="hexagon">
+            <a:avLst/>
+          </a:prstGeom>
+          <a:solidFill>
+            <a:srgbClr val="FBE5D6"/>
+          </a:solidFill>
+          <a:ln>
+            <a:solidFill>
+              <a:schemeClr val="tx1"/>
+            </a:solidFill>
+          </a:ln>
+        </p:spPr>
+        <p:style>
+          <a:lnRef idx="2">
+            <a:schemeClr val="accent1">
+              <a:shade val="50000"/>
+            </a:schemeClr>
+          </a:lnRef>
+          <a:fillRef idx="1">
+            <a:schemeClr val="accent1"/>
+          </a:fillRef>
+          <a:effectRef idx="0">
+            <a:schemeClr val="accent1"/>
+          </a:effectRef>
+          <a:fontRef idx="minor">
+            <a:schemeClr val="lt1"/>
+          </a:fontRef>
+        </p:style>
+        <p:txBody>
+          <a:bodyPr rtlCol="0" anchor="ctr"/>
+          <a:lstStyle/>
+          <a:p>
+            <a:pPr algn="ctr"/>
+            <a:endParaRPr lang="ko-KR" altLang="en-US"/>
+          </a:p>
+        </p:txBody>
+      </p:sp>
+      <p:sp>
+        <p:nvSpPr>
+          <p:cNvPr id="102" name="육각형 101">
+            <a:extLst>
+              <a:ext uri="{FF2B5EF4-FFF2-40B4-BE49-F238E27FC236}">
+                <a16:creationId xmlns:a16="http://schemas.microsoft.com/office/drawing/2014/main" id="{ECD93A45-4929-2658-07A4-FBCEB5580A17}"/>
+              </a:ext>
+            </a:extLst>
+          </p:cNvPr>
+          <p:cNvSpPr/>
+          <p:nvPr/>
+        </p:nvSpPr>
+        <p:spPr>
+          <a:xfrm rot="16200000">
+            <a:off x="3300730" y="1761983"/>
+            <a:ext cx="1088070" cy="937991"/>
+          </a:xfrm>
+          <a:prstGeom prst="hexagon">
+            <a:avLst/>
+          </a:prstGeom>
+          <a:solidFill>
+            <a:srgbClr val="00B050"/>
+          </a:solidFill>
+          <a:ln>
+            <a:solidFill>
+              <a:schemeClr val="tx1"/>
+            </a:solidFill>
+          </a:ln>
+        </p:spPr>
+        <p:style>
+          <a:lnRef idx="2">
+            <a:schemeClr val="accent1">
+              <a:shade val="50000"/>
+            </a:schemeClr>
+          </a:lnRef>
+          <a:fillRef idx="1">
+            <a:schemeClr val="accent1"/>
+          </a:fillRef>
+          <a:effectRef idx="0">
+            <a:schemeClr val="accent1"/>
+          </a:effectRef>
+          <a:fontRef idx="minor">
+            <a:schemeClr val="lt1"/>
+          </a:fontRef>
+        </p:style>
+        <p:txBody>
+          <a:bodyPr rtlCol="0" anchor="ctr"/>
+          <a:lstStyle/>
+          <a:p>
+            <a:pPr algn="ctr"/>
+            <a:endParaRPr lang="ko-KR" altLang="en-US"/>
+          </a:p>
+        </p:txBody>
+      </p:sp>
+      <p:sp>
+        <p:nvSpPr>
+          <p:cNvPr id="103" name="육각형 102">
+            <a:extLst>
+              <a:ext uri="{FF2B5EF4-FFF2-40B4-BE49-F238E27FC236}">
+                <a16:creationId xmlns:a16="http://schemas.microsoft.com/office/drawing/2014/main" id="{4E1D6E09-9752-0613-D261-51BF5911F235}"/>
+              </a:ext>
+            </a:extLst>
+          </p:cNvPr>
+          <p:cNvSpPr/>
+          <p:nvPr/>
+        </p:nvSpPr>
+        <p:spPr>
+          <a:xfrm rot="16200000">
+            <a:off x="4298708" y="1761983"/>
+            <a:ext cx="1088070" cy="937991"/>
+          </a:xfrm>
+          <a:prstGeom prst="hexagon">
+            <a:avLst/>
+          </a:prstGeom>
+          <a:solidFill>
+            <a:srgbClr val="FF0000"/>
+          </a:solidFill>
+          <a:ln>
+            <a:solidFill>
+              <a:schemeClr val="tx1"/>
+            </a:solidFill>
+          </a:ln>
+        </p:spPr>
+        <p:style>
+          <a:lnRef idx="2">
+            <a:schemeClr val="accent1">
+              <a:shade val="50000"/>
+            </a:schemeClr>
+          </a:lnRef>
+          <a:fillRef idx="1">
+            <a:schemeClr val="accent1"/>
+          </a:fillRef>
+          <a:effectRef idx="0">
+            <a:schemeClr val="accent1"/>
+          </a:effectRef>
+          <a:fontRef idx="minor">
+            <a:schemeClr val="lt1"/>
+          </a:fontRef>
+        </p:style>
+        <p:txBody>
+          <a:bodyPr rtlCol="0" anchor="ctr"/>
+          <a:lstStyle/>
+          <a:p>
+            <a:pPr algn="ctr"/>
+            <a:endParaRPr lang="ko-KR" altLang="en-US"/>
+          </a:p>
+        </p:txBody>
+      </p:sp>
+      <p:sp>
+        <p:nvSpPr>
+          <p:cNvPr id="104" name="육각형 103">
+            <a:extLst>
+              <a:ext uri="{FF2B5EF4-FFF2-40B4-BE49-F238E27FC236}">
+                <a16:creationId xmlns:a16="http://schemas.microsoft.com/office/drawing/2014/main" id="{7B62C15B-94FB-664C-8DD2-4EDC1CBC1675}"/>
+              </a:ext>
+            </a:extLst>
+          </p:cNvPr>
+          <p:cNvSpPr/>
+          <p:nvPr/>
+        </p:nvSpPr>
+        <p:spPr>
+          <a:xfrm rot="16200000">
+            <a:off x="5296681" y="1761983"/>
+            <a:ext cx="1088070" cy="937991"/>
+          </a:xfrm>
+          <a:prstGeom prst="hexagon">
+            <a:avLst/>
+          </a:prstGeom>
+          <a:solidFill>
+            <a:schemeClr val="bg1">
+              <a:lumMod val="65000"/>
+            </a:schemeClr>
+          </a:solidFill>
+          <a:ln>
+            <a:solidFill>
+              <a:schemeClr val="tx1"/>
+            </a:solidFill>
+          </a:ln>
+        </p:spPr>
+        <p:style>
+          <a:lnRef idx="2">
+            <a:schemeClr val="accent1">
+              <a:shade val="50000"/>
+            </a:schemeClr>
+          </a:lnRef>
+          <a:fillRef idx="1">
+            <a:schemeClr val="accent1"/>
+          </a:fillRef>
+          <a:effectRef idx="0">
+            <a:schemeClr val="accent1"/>
+          </a:effectRef>
+          <a:fontRef idx="minor">
+            <a:schemeClr val="lt1"/>
+          </a:fontRef>
+        </p:style>
+        <p:txBody>
+          <a:bodyPr rtlCol="0" anchor="ctr"/>
+          <a:lstStyle/>
+          <a:p>
+            <a:pPr algn="ctr"/>
+            <a:endParaRPr lang="ko-KR" altLang="en-US" dirty="0"/>
+          </a:p>
+        </p:txBody>
+      </p:sp>
+      <p:sp>
+        <p:nvSpPr>
+          <p:cNvPr id="105" name="육각형 104">
+            <a:extLst>
+              <a:ext uri="{FF2B5EF4-FFF2-40B4-BE49-F238E27FC236}">
+                <a16:creationId xmlns:a16="http://schemas.microsoft.com/office/drawing/2014/main" id="{42B2CC72-0561-AAD1-FF38-8D86C803E45D}"/>
+              </a:ext>
+            </a:extLst>
+          </p:cNvPr>
+          <p:cNvSpPr/>
+          <p:nvPr/>
+        </p:nvSpPr>
+        <p:spPr>
+          <a:xfrm rot="16200000">
+            <a:off x="6294659" y="1761983"/>
+            <a:ext cx="1088069" cy="937991"/>
+          </a:xfrm>
+          <a:prstGeom prst="hexagon">
+            <a:avLst/>
+          </a:prstGeom>
+          <a:solidFill>
+            <a:schemeClr val="bg1">
+              <a:lumMod val="65000"/>
+            </a:schemeClr>
+          </a:solidFill>
+          <a:ln>
+            <a:solidFill>
+              <a:schemeClr val="tx1"/>
+            </a:solidFill>
+          </a:ln>
+        </p:spPr>
+        <p:style>
+          <a:lnRef idx="2">
+            <a:schemeClr val="accent1">
+              <a:shade val="50000"/>
+            </a:schemeClr>
+          </a:lnRef>
+          <a:fillRef idx="1">
+            <a:schemeClr val="accent1"/>
+          </a:fillRef>
+          <a:effectRef idx="0">
+            <a:schemeClr val="accent1"/>
+          </a:effectRef>
+          <a:fontRef idx="minor">
+            <a:schemeClr val="lt1"/>
+          </a:fontRef>
+        </p:style>
+        <p:txBody>
+          <a:bodyPr rtlCol="0" anchor="ctr"/>
+          <a:lstStyle/>
+          <a:p>
+            <a:pPr algn="ctr"/>
+            <a:endParaRPr lang="ko-KR" altLang="en-US" dirty="0"/>
+          </a:p>
+        </p:txBody>
+      </p:sp>
+      <p:sp>
+        <p:nvSpPr>
+          <p:cNvPr id="94" name="육각형 93">
+            <a:extLst>
+              <a:ext uri="{FF2B5EF4-FFF2-40B4-BE49-F238E27FC236}">
+                <a16:creationId xmlns:a16="http://schemas.microsoft.com/office/drawing/2014/main" id="{7F5A7BF6-E0EA-91CE-78B7-307FD26EFDCF}"/>
+              </a:ext>
+            </a:extLst>
+          </p:cNvPr>
+          <p:cNvSpPr/>
+          <p:nvPr/>
+        </p:nvSpPr>
+        <p:spPr>
+          <a:xfrm rot="16200000">
+            <a:off x="807173" y="2653608"/>
+            <a:ext cx="1088069" cy="937990"/>
+          </a:xfrm>
+          <a:prstGeom prst="hexagon">
+            <a:avLst/>
+          </a:prstGeom>
+          <a:solidFill>
+            <a:srgbClr val="FBE5D6"/>
+          </a:solidFill>
+          <a:ln>
+            <a:solidFill>
+              <a:schemeClr val="tx1"/>
+            </a:solidFill>
+          </a:ln>
+        </p:spPr>
+        <p:style>
+          <a:lnRef idx="2">
+            <a:schemeClr val="accent1">
+              <a:shade val="50000"/>
+            </a:schemeClr>
+          </a:lnRef>
+          <a:fillRef idx="1">
+            <a:schemeClr val="accent1"/>
+          </a:fillRef>
+          <a:effectRef idx="0">
+            <a:schemeClr val="accent1"/>
+          </a:effectRef>
+          <a:fontRef idx="minor">
+            <a:schemeClr val="lt1"/>
+          </a:fontRef>
+        </p:style>
+        <p:txBody>
+          <a:bodyPr rtlCol="0" anchor="ctr"/>
+          <a:lstStyle/>
+          <a:p>
+            <a:pPr algn="ctr"/>
+            <a:endParaRPr lang="ko-KR" altLang="en-US" dirty="0"/>
+          </a:p>
+        </p:txBody>
+      </p:sp>
+      <p:sp>
+        <p:nvSpPr>
+          <p:cNvPr id="95" name="육각형 94">
+            <a:extLst>
+              <a:ext uri="{FF2B5EF4-FFF2-40B4-BE49-F238E27FC236}">
+                <a16:creationId xmlns:a16="http://schemas.microsoft.com/office/drawing/2014/main" id="{94BCBB2F-B8CC-94E2-1CB1-A8F18224BE67}"/>
+              </a:ext>
+            </a:extLst>
+          </p:cNvPr>
+          <p:cNvSpPr/>
+          <p:nvPr/>
+        </p:nvSpPr>
+        <p:spPr>
+          <a:xfrm rot="16200000">
+            <a:off x="1805148" y="2653608"/>
+            <a:ext cx="1088069" cy="937990"/>
+          </a:xfrm>
+          <a:prstGeom prst="hexagon">
+            <a:avLst/>
+          </a:prstGeom>
+          <a:solidFill>
+            <a:srgbClr val="FF0000"/>
+          </a:solidFill>
+          <a:ln>
+            <a:solidFill>
+              <a:schemeClr val="tx1"/>
+            </a:solidFill>
+          </a:ln>
+        </p:spPr>
+        <p:style>
+          <a:lnRef idx="2">
+            <a:schemeClr val="accent1">
+              <a:shade val="50000"/>
+            </a:schemeClr>
+          </a:lnRef>
+          <a:fillRef idx="1">
+            <a:schemeClr val="accent1"/>
+          </a:fillRef>
+          <a:effectRef idx="0">
+            <a:schemeClr val="accent1"/>
+          </a:effectRef>
+          <a:fontRef idx="minor">
+            <a:schemeClr val="lt1"/>
+          </a:fontRef>
+        </p:style>
+        <p:txBody>
+          <a:bodyPr rtlCol="0" anchor="ctr"/>
+          <a:lstStyle/>
+          <a:p>
+            <a:pPr algn="ctr"/>
+            <a:endParaRPr lang="ko-KR" altLang="en-US"/>
+          </a:p>
+        </p:txBody>
+      </p:sp>
+      <p:sp>
+        <p:nvSpPr>
+          <p:cNvPr id="96" name="육각형 95">
+            <a:extLst>
+              <a:ext uri="{FF2B5EF4-FFF2-40B4-BE49-F238E27FC236}">
+                <a16:creationId xmlns:a16="http://schemas.microsoft.com/office/drawing/2014/main" id="{19D18324-664C-2796-237D-D84974A0B082}"/>
+              </a:ext>
+            </a:extLst>
+          </p:cNvPr>
+          <p:cNvSpPr/>
+          <p:nvPr/>
+        </p:nvSpPr>
+        <p:spPr>
+          <a:xfrm rot="16200000">
+            <a:off x="2803123" y="2653608"/>
+            <a:ext cx="1088069" cy="937990"/>
+          </a:xfrm>
+          <a:prstGeom prst="hexagon">
+            <a:avLst/>
+          </a:prstGeom>
+          <a:solidFill>
+            <a:schemeClr val="bg1">
+              <a:lumMod val="65000"/>
+            </a:schemeClr>
+          </a:solidFill>
+          <a:ln>
+            <a:solidFill>
+              <a:schemeClr val="tx1"/>
+            </a:solidFill>
+          </a:ln>
+        </p:spPr>
+        <p:style>
+          <a:lnRef idx="2">
+            <a:schemeClr val="accent1">
+              <a:shade val="50000"/>
+            </a:schemeClr>
+          </a:lnRef>
+          <a:fillRef idx="1">
+            <a:schemeClr val="accent1"/>
+          </a:fillRef>
+          <a:effectRef idx="0">
+            <a:schemeClr val="accent1"/>
+          </a:effectRef>
+          <a:fontRef idx="minor">
+            <a:schemeClr val="lt1"/>
+          </a:fontRef>
+        </p:style>
+        <p:txBody>
+          <a:bodyPr rtlCol="0" anchor="ctr"/>
+          <a:lstStyle/>
+          <a:p>
+            <a:pPr algn="ctr"/>
+            <a:endParaRPr lang="ko-KR" altLang="en-US" dirty="0"/>
+          </a:p>
+        </p:txBody>
+      </p:sp>
+      <p:sp>
+        <p:nvSpPr>
+          <p:cNvPr id="97" name="육각형 96">
+            <a:extLst>
+              <a:ext uri="{FF2B5EF4-FFF2-40B4-BE49-F238E27FC236}">
+                <a16:creationId xmlns:a16="http://schemas.microsoft.com/office/drawing/2014/main" id="{60A7F297-CACC-46A3-56D2-4732E6603128}"/>
+              </a:ext>
+            </a:extLst>
+          </p:cNvPr>
+          <p:cNvSpPr/>
+          <p:nvPr/>
+        </p:nvSpPr>
+        <p:spPr>
+          <a:xfrm rot="16200000">
+            <a:off x="3801098" y="2653608"/>
+            <a:ext cx="1088069" cy="937990"/>
+          </a:xfrm>
+          <a:prstGeom prst="hexagon">
+            <a:avLst/>
+          </a:prstGeom>
+          <a:solidFill>
+            <a:srgbClr val="00B050"/>
+          </a:solidFill>
+          <a:ln>
+            <a:solidFill>
+              <a:schemeClr val="tx1"/>
+            </a:solidFill>
+          </a:ln>
+        </p:spPr>
+        <p:style>
+          <a:lnRef idx="2">
+            <a:schemeClr val="accent1">
+              <a:shade val="50000"/>
+            </a:schemeClr>
+          </a:lnRef>
+          <a:fillRef idx="1">
+            <a:schemeClr val="accent1"/>
+          </a:fillRef>
+          <a:effectRef idx="0">
+            <a:schemeClr val="accent1"/>
+          </a:effectRef>
+          <a:fontRef idx="minor">
+            <a:schemeClr val="lt1"/>
+          </a:fontRef>
+        </p:style>
+        <p:txBody>
+          <a:bodyPr rtlCol="0" anchor="ctr"/>
+          <a:lstStyle/>
+          <a:p>
+            <a:pPr algn="ctr"/>
+            <a:endParaRPr lang="ko-KR" altLang="en-US" dirty="0"/>
+          </a:p>
+        </p:txBody>
+      </p:sp>
+      <p:sp>
+        <p:nvSpPr>
+          <p:cNvPr id="98" name="육각형 97">
+            <a:extLst>
+              <a:ext uri="{FF2B5EF4-FFF2-40B4-BE49-F238E27FC236}">
+                <a16:creationId xmlns:a16="http://schemas.microsoft.com/office/drawing/2014/main" id="{381A6176-7E80-083E-53B0-5F09E4A0E58C}"/>
+              </a:ext>
+            </a:extLst>
+          </p:cNvPr>
+          <p:cNvSpPr/>
+          <p:nvPr/>
+        </p:nvSpPr>
+        <p:spPr>
+          <a:xfrm rot="16200000">
+            <a:off x="4799073" y="2653608"/>
+            <a:ext cx="1088069" cy="937990"/>
+          </a:xfrm>
+          <a:prstGeom prst="hexagon">
+            <a:avLst/>
+          </a:prstGeom>
+          <a:solidFill>
+            <a:srgbClr val="FBE5D6"/>
+          </a:solidFill>
+          <a:ln>
+            <a:solidFill>
+              <a:schemeClr val="tx1"/>
+            </a:solidFill>
+          </a:ln>
+        </p:spPr>
+        <p:style>
+          <a:lnRef idx="2">
+            <a:schemeClr val="accent1">
+              <a:shade val="50000"/>
+            </a:schemeClr>
+          </a:lnRef>
+          <a:fillRef idx="1">
+            <a:schemeClr val="accent1"/>
+          </a:fillRef>
+          <a:effectRef idx="0">
+            <a:schemeClr val="accent1"/>
+          </a:effectRef>
+          <a:fontRef idx="minor">
+            <a:schemeClr val="lt1"/>
+          </a:fontRef>
+        </p:style>
+        <p:txBody>
+          <a:bodyPr rtlCol="0" anchor="ctr"/>
+          <a:lstStyle/>
+          <a:p>
+            <a:pPr algn="ctr"/>
+            <a:endParaRPr lang="ko-KR" altLang="en-US"/>
+          </a:p>
+        </p:txBody>
+      </p:sp>
+      <p:sp>
+        <p:nvSpPr>
+          <p:cNvPr id="99" name="육각형 98">
+            <a:extLst>
+              <a:ext uri="{FF2B5EF4-FFF2-40B4-BE49-F238E27FC236}">
+                <a16:creationId xmlns:a16="http://schemas.microsoft.com/office/drawing/2014/main" id="{BC75B784-51F1-8365-C4F6-99AEECCEA30C}"/>
+              </a:ext>
+            </a:extLst>
+          </p:cNvPr>
+          <p:cNvSpPr/>
+          <p:nvPr/>
+        </p:nvSpPr>
+        <p:spPr>
+          <a:xfrm rot="16200000">
+            <a:off x="5797048" y="2653608"/>
+            <a:ext cx="1088069" cy="937990"/>
+          </a:xfrm>
+          <a:prstGeom prst="hexagon">
+            <a:avLst/>
+          </a:prstGeom>
+          <a:solidFill>
+            <a:schemeClr val="bg1">
+              <a:lumMod val="65000"/>
+            </a:schemeClr>
+          </a:solidFill>
+          <a:ln>
+            <a:solidFill>
+              <a:schemeClr val="tx1"/>
+            </a:solidFill>
+          </a:ln>
+        </p:spPr>
+        <p:style>
+          <a:lnRef idx="2">
+            <a:schemeClr val="accent1">
+              <a:shade val="50000"/>
+            </a:schemeClr>
+          </a:lnRef>
+          <a:fillRef idx="1">
+            <a:schemeClr val="accent1"/>
+          </a:fillRef>
+          <a:effectRef idx="0">
+            <a:schemeClr val="accent1"/>
+          </a:effectRef>
+          <a:fontRef idx="minor">
+            <a:schemeClr val="lt1"/>
+          </a:fontRef>
+        </p:style>
+        <p:txBody>
+          <a:bodyPr rtlCol="0" anchor="ctr"/>
+          <a:lstStyle/>
+          <a:p>
+            <a:pPr algn="ctr"/>
+            <a:endParaRPr lang="ko-KR" altLang="en-US" dirty="0"/>
+          </a:p>
+        </p:txBody>
+      </p:sp>
+      <p:sp>
+        <p:nvSpPr>
+          <p:cNvPr id="86" name="육각형 85">
+            <a:extLst>
+              <a:ext uri="{FF2B5EF4-FFF2-40B4-BE49-F238E27FC236}">
+                <a16:creationId xmlns:a16="http://schemas.microsoft.com/office/drawing/2014/main" id="{7E94EA46-07D4-D4A5-F7E7-2E343B994CE1}"/>
+              </a:ext>
+            </a:extLst>
+          </p:cNvPr>
+          <p:cNvSpPr/>
+          <p:nvPr/>
+        </p:nvSpPr>
+        <p:spPr>
+          <a:xfrm rot="16200000">
+            <a:off x="1301048" y="3567546"/>
+            <a:ext cx="1088065" cy="937990"/>
+          </a:xfrm>
+          <a:prstGeom prst="hexagon">
+            <a:avLst/>
+          </a:prstGeom>
+          <a:solidFill>
+            <a:srgbClr val="FBE5D6"/>
+          </a:solidFill>
+          <a:ln>
+            <a:solidFill>
+              <a:schemeClr val="tx1"/>
+            </a:solidFill>
+          </a:ln>
+        </p:spPr>
+        <p:style>
+          <a:lnRef idx="2">
+            <a:schemeClr val="accent1">
+              <a:shade val="50000"/>
+            </a:schemeClr>
+          </a:lnRef>
+          <a:fillRef idx="1">
+            <a:schemeClr val="accent1"/>
+          </a:fillRef>
+          <a:effectRef idx="0">
+            <a:schemeClr val="accent1"/>
+          </a:effectRef>
+          <a:fontRef idx="minor">
+            <a:schemeClr val="lt1"/>
+          </a:fontRef>
+        </p:style>
+        <p:txBody>
+          <a:bodyPr rtlCol="0" anchor="ctr"/>
+          <a:lstStyle/>
+          <a:p>
+            <a:pPr algn="ctr"/>
+            <a:r>
+              <a:rPr lang="en-US" altLang="ko-KR" dirty="0">
+                <a:solidFill>
+                  <a:srgbClr val="FF0000"/>
+                </a:solidFill>
+              </a:rPr>
+              <a:t>P</a:t>
+            </a:r>
+          </a:p>
+        </p:txBody>
+      </p:sp>
+      <p:sp>
+        <p:nvSpPr>
+          <p:cNvPr id="87" name="육각형 86">
+            <a:extLst>
+              <a:ext uri="{FF2B5EF4-FFF2-40B4-BE49-F238E27FC236}">
+                <a16:creationId xmlns:a16="http://schemas.microsoft.com/office/drawing/2014/main" id="{0396CECB-F810-5682-4D47-26657CECC81F}"/>
+              </a:ext>
+            </a:extLst>
+          </p:cNvPr>
+          <p:cNvSpPr/>
+          <p:nvPr/>
+        </p:nvSpPr>
+        <p:spPr>
+          <a:xfrm rot="16200000">
+            <a:off x="2299024" y="3567546"/>
+            <a:ext cx="1088065" cy="937990"/>
+          </a:xfrm>
+          <a:prstGeom prst="hexagon">
+            <a:avLst/>
+          </a:prstGeom>
+          <a:solidFill>
+            <a:srgbClr val="00B050"/>
+          </a:solidFill>
+          <a:ln>
+            <a:solidFill>
+              <a:schemeClr val="tx1"/>
+            </a:solidFill>
+          </a:ln>
+        </p:spPr>
+        <p:style>
+          <a:lnRef idx="2">
+            <a:schemeClr val="accent1">
+              <a:shade val="50000"/>
+            </a:schemeClr>
+          </a:lnRef>
+          <a:fillRef idx="1">
+            <a:schemeClr val="accent1"/>
+          </a:fillRef>
+          <a:effectRef idx="0">
+            <a:schemeClr val="accent1"/>
+          </a:effectRef>
+          <a:fontRef idx="minor">
+            <a:schemeClr val="lt1"/>
+          </a:fontRef>
+        </p:style>
+        <p:txBody>
+          <a:bodyPr rtlCol="0" anchor="ctr"/>
+          <a:lstStyle/>
+          <a:p>
+            <a:pPr algn="ctr"/>
+            <a:endParaRPr lang="ko-KR" altLang="en-US"/>
+          </a:p>
+        </p:txBody>
+      </p:sp>
+      <p:sp>
+        <p:nvSpPr>
+          <p:cNvPr id="88" name="육각형 87">
+            <a:extLst>
+              <a:ext uri="{FF2B5EF4-FFF2-40B4-BE49-F238E27FC236}">
+                <a16:creationId xmlns:a16="http://schemas.microsoft.com/office/drawing/2014/main" id="{95AA54F4-0011-5556-E91B-CCCFC5397687}"/>
+              </a:ext>
+            </a:extLst>
+          </p:cNvPr>
+          <p:cNvSpPr/>
+          <p:nvPr/>
+        </p:nvSpPr>
+        <p:spPr>
+          <a:xfrm rot="16200000">
+            <a:off x="3297000" y="3567546"/>
+            <a:ext cx="1088065" cy="937990"/>
+          </a:xfrm>
+          <a:prstGeom prst="hexagon">
+            <a:avLst/>
+          </a:prstGeom>
+          <a:solidFill>
+            <a:srgbClr val="FBE5D6"/>
+          </a:solidFill>
+          <a:ln>
+            <a:solidFill>
+              <a:schemeClr val="tx1"/>
+            </a:solidFill>
+          </a:ln>
+        </p:spPr>
+        <p:style>
+          <a:lnRef idx="2">
+            <a:schemeClr val="accent1">
+              <a:shade val="50000"/>
+            </a:schemeClr>
+          </a:lnRef>
+          <a:fillRef idx="1">
+            <a:schemeClr val="accent1"/>
+          </a:fillRef>
+          <a:effectRef idx="0">
+            <a:schemeClr val="accent1"/>
+          </a:effectRef>
+          <a:fontRef idx="minor">
+            <a:schemeClr val="lt1"/>
+          </a:fontRef>
+        </p:style>
+        <p:txBody>
+          <a:bodyPr rtlCol="0" anchor="ctr"/>
+          <a:lstStyle/>
+          <a:p>
+            <a:pPr algn="ctr"/>
+            <a:endParaRPr lang="ko-KR" altLang="en-US" dirty="0"/>
+          </a:p>
+        </p:txBody>
+      </p:sp>
+      <p:sp>
+        <p:nvSpPr>
+          <p:cNvPr id="89" name="육각형 88">
+            <a:extLst>
+              <a:ext uri="{FF2B5EF4-FFF2-40B4-BE49-F238E27FC236}">
+                <a16:creationId xmlns:a16="http://schemas.microsoft.com/office/drawing/2014/main" id="{717E3EF4-52E4-D610-AEDD-07F122054DD0}"/>
+              </a:ext>
+            </a:extLst>
+          </p:cNvPr>
+          <p:cNvSpPr/>
+          <p:nvPr/>
+        </p:nvSpPr>
+        <p:spPr>
+          <a:xfrm rot="16200000">
+            <a:off x="4294973" y="3567546"/>
+            <a:ext cx="1088065" cy="937990"/>
+          </a:xfrm>
+          <a:prstGeom prst="hexagon">
+            <a:avLst/>
+          </a:prstGeom>
+          <a:solidFill>
+            <a:schemeClr val="bg1">
+              <a:lumMod val="65000"/>
+            </a:schemeClr>
+          </a:solidFill>
+          <a:ln>
+            <a:solidFill>
+              <a:schemeClr val="tx1"/>
+            </a:solidFill>
+          </a:ln>
+        </p:spPr>
+        <p:style>
+          <a:lnRef idx="2">
+            <a:schemeClr val="accent1">
+              <a:shade val="50000"/>
+            </a:schemeClr>
+          </a:lnRef>
+          <a:fillRef idx="1">
+            <a:schemeClr val="accent1"/>
+          </a:fillRef>
+          <a:effectRef idx="0">
+            <a:schemeClr val="accent1"/>
+          </a:effectRef>
+          <a:fontRef idx="minor">
+            <a:schemeClr val="lt1"/>
+          </a:fontRef>
+        </p:style>
+        <p:txBody>
+          <a:bodyPr rtlCol="0" anchor="ctr"/>
+          <a:lstStyle/>
+          <a:p>
+            <a:pPr algn="ctr"/>
+            <a:endParaRPr lang="ko-KR" altLang="en-US" dirty="0"/>
+          </a:p>
+        </p:txBody>
+      </p:sp>
+      <p:sp>
+        <p:nvSpPr>
+          <p:cNvPr id="90" name="육각형 89">
+            <a:extLst>
+              <a:ext uri="{FF2B5EF4-FFF2-40B4-BE49-F238E27FC236}">
+                <a16:creationId xmlns:a16="http://schemas.microsoft.com/office/drawing/2014/main" id="{29FCE219-6252-D47E-F8C0-482D15881134}"/>
+              </a:ext>
+            </a:extLst>
+          </p:cNvPr>
+          <p:cNvSpPr/>
+          <p:nvPr/>
+        </p:nvSpPr>
+        <p:spPr>
+          <a:xfrm rot="16200000">
+            <a:off x="5292950" y="3567545"/>
+            <a:ext cx="1088066" cy="937990"/>
+          </a:xfrm>
+          <a:prstGeom prst="hexagon">
+            <a:avLst/>
+          </a:prstGeom>
+          <a:solidFill>
+            <a:srgbClr val="FF0000"/>
+          </a:solidFill>
+          <a:ln>
+            <a:solidFill>
+              <a:schemeClr val="tx1"/>
+            </a:solidFill>
+          </a:ln>
+        </p:spPr>
+        <p:style>
+          <a:lnRef idx="2">
+            <a:schemeClr val="accent1">
+              <a:shade val="50000"/>
+            </a:schemeClr>
+          </a:lnRef>
+          <a:fillRef idx="1">
+            <a:schemeClr val="accent1"/>
+          </a:fillRef>
+          <a:effectRef idx="0">
+            <a:schemeClr val="accent1"/>
+          </a:effectRef>
+          <a:fontRef idx="minor">
+            <a:schemeClr val="lt1"/>
+          </a:fontRef>
+        </p:style>
+        <p:txBody>
+          <a:bodyPr rtlCol="0" anchor="ctr"/>
+          <a:lstStyle/>
+          <a:p>
+            <a:pPr algn="ctr"/>
+            <a:endParaRPr lang="ko-KR" altLang="en-US" dirty="0"/>
+          </a:p>
+        </p:txBody>
+      </p:sp>
+      <p:sp>
+        <p:nvSpPr>
+          <p:cNvPr id="91" name="육각형 90">
+            <a:extLst>
+              <a:ext uri="{FF2B5EF4-FFF2-40B4-BE49-F238E27FC236}">
+                <a16:creationId xmlns:a16="http://schemas.microsoft.com/office/drawing/2014/main" id="{6F74D291-9FBB-F78C-89BD-0B9BD80EE7A4}"/>
+              </a:ext>
+            </a:extLst>
+          </p:cNvPr>
+          <p:cNvSpPr/>
+          <p:nvPr/>
+        </p:nvSpPr>
+        <p:spPr>
+          <a:xfrm rot="16200000">
+            <a:off x="6290923" y="3567546"/>
+            <a:ext cx="1088068" cy="937990"/>
+          </a:xfrm>
+          <a:prstGeom prst="hexagon">
+            <a:avLst/>
+          </a:prstGeom>
+          <a:solidFill>
+            <a:srgbClr val="FBE5D6"/>
+          </a:solidFill>
+          <a:ln>
+            <a:solidFill>
+              <a:schemeClr val="tx1"/>
+            </a:solidFill>
+          </a:ln>
+        </p:spPr>
+        <p:style>
+          <a:lnRef idx="2">
+            <a:schemeClr val="accent1">
+              <a:shade val="50000"/>
+            </a:schemeClr>
+          </a:lnRef>
+          <a:fillRef idx="1">
+            <a:schemeClr val="accent1"/>
+          </a:fillRef>
+          <a:effectRef idx="0">
+            <a:schemeClr val="accent1"/>
+          </a:effectRef>
+          <a:fontRef idx="minor">
+            <a:schemeClr val="lt1"/>
+          </a:fontRef>
+        </p:style>
+        <p:txBody>
+          <a:bodyPr rtlCol="0" anchor="ctr"/>
+          <a:lstStyle/>
+          <a:p>
+            <a:pPr algn="ctr"/>
+            <a:endParaRPr lang="ko-KR" altLang="en-US" dirty="0"/>
+          </a:p>
+        </p:txBody>
+      </p:sp>
+      <p:sp>
+        <p:nvSpPr>
+          <p:cNvPr id="80" name="육각형 79">
+            <a:extLst>
+              <a:ext uri="{FF2B5EF4-FFF2-40B4-BE49-F238E27FC236}">
+                <a16:creationId xmlns:a16="http://schemas.microsoft.com/office/drawing/2014/main" id="{D0F601D9-B0A2-EF61-8F85-EC1723606E5C}"/>
+              </a:ext>
+            </a:extLst>
+          </p:cNvPr>
+          <p:cNvSpPr/>
+          <p:nvPr/>
+        </p:nvSpPr>
+        <p:spPr>
+          <a:xfrm rot="16200000">
+            <a:off x="803442" y="4466830"/>
+            <a:ext cx="1088068" cy="937990"/>
+          </a:xfrm>
+          <a:prstGeom prst="hexagon">
+            <a:avLst/>
+          </a:prstGeom>
+          <a:solidFill>
+            <a:srgbClr val="FF0000"/>
+          </a:solidFill>
+          <a:ln>
+            <a:solidFill>
+              <a:schemeClr val="tx1"/>
+            </a:solidFill>
+          </a:ln>
+        </p:spPr>
+        <p:style>
+          <a:lnRef idx="2">
+            <a:schemeClr val="accent1">
+              <a:shade val="50000"/>
+            </a:schemeClr>
+          </a:lnRef>
+          <a:fillRef idx="1">
+            <a:schemeClr val="accent1"/>
+          </a:fillRef>
+          <a:effectRef idx="0">
+            <a:schemeClr val="accent1"/>
+          </a:effectRef>
+          <a:fontRef idx="minor">
+            <a:schemeClr val="lt1"/>
+          </a:fontRef>
+        </p:style>
+        <p:txBody>
+          <a:bodyPr rtlCol="0" anchor="ctr"/>
+          <a:lstStyle/>
+          <a:p>
+            <a:pPr algn="ctr"/>
+            <a:endParaRPr lang="ko-KR" altLang="en-US"/>
+          </a:p>
+        </p:txBody>
+      </p:sp>
+      <p:sp>
+        <p:nvSpPr>
+          <p:cNvPr id="81" name="육각형 80">
+            <a:extLst>
+              <a:ext uri="{FF2B5EF4-FFF2-40B4-BE49-F238E27FC236}">
+                <a16:creationId xmlns:a16="http://schemas.microsoft.com/office/drawing/2014/main" id="{465A1247-7340-6950-638B-928D3D7A4B2D}"/>
+              </a:ext>
+            </a:extLst>
+          </p:cNvPr>
+          <p:cNvSpPr/>
+          <p:nvPr/>
+        </p:nvSpPr>
+        <p:spPr>
+          <a:xfrm rot="16200000">
+            <a:off x="1801416" y="4466829"/>
+            <a:ext cx="1088066" cy="937990"/>
+          </a:xfrm>
+          <a:prstGeom prst="hexagon">
+            <a:avLst/>
+          </a:prstGeom>
+          <a:solidFill>
+            <a:srgbClr val="FBE5D6"/>
+          </a:solidFill>
+          <a:ln>
+            <a:solidFill>
+              <a:schemeClr val="tx1"/>
+            </a:solidFill>
+          </a:ln>
+        </p:spPr>
+        <p:style>
+          <a:lnRef idx="2">
+            <a:schemeClr val="accent1">
+              <a:shade val="50000"/>
+            </a:schemeClr>
+          </a:lnRef>
+          <a:fillRef idx="1">
+            <a:schemeClr val="accent1"/>
+          </a:fillRef>
+          <a:effectRef idx="0">
+            <a:schemeClr val="accent1"/>
+          </a:effectRef>
+          <a:fontRef idx="minor">
+            <a:schemeClr val="lt1"/>
+          </a:fontRef>
+        </p:style>
+        <p:txBody>
+          <a:bodyPr rtlCol="0" anchor="ctr"/>
+          <a:lstStyle/>
+          <a:p>
+            <a:pPr algn="ctr"/>
+            <a:endParaRPr lang="ko-KR" altLang="en-US" dirty="0"/>
+          </a:p>
+        </p:txBody>
+      </p:sp>
+      <p:sp>
+        <p:nvSpPr>
+          <p:cNvPr id="82" name="육각형 81">
+            <a:extLst>
+              <a:ext uri="{FF2B5EF4-FFF2-40B4-BE49-F238E27FC236}">
+                <a16:creationId xmlns:a16="http://schemas.microsoft.com/office/drawing/2014/main" id="{4764017A-EECF-B422-9496-2FAD89D5413F}"/>
+              </a:ext>
+            </a:extLst>
+          </p:cNvPr>
+          <p:cNvSpPr/>
+          <p:nvPr/>
+        </p:nvSpPr>
+        <p:spPr>
+          <a:xfrm rot="16200000">
+            <a:off x="2799391" y="4466830"/>
+            <a:ext cx="1088065" cy="937990"/>
+          </a:xfrm>
+          <a:prstGeom prst="hexagon">
+            <a:avLst/>
+          </a:prstGeom>
+          <a:solidFill>
+            <a:schemeClr val="bg1">
+              <a:lumMod val="65000"/>
+            </a:schemeClr>
+          </a:solidFill>
+          <a:ln>
+            <a:solidFill>
+              <a:schemeClr val="tx1"/>
+            </a:solidFill>
+          </a:ln>
+        </p:spPr>
+        <p:style>
+          <a:lnRef idx="2">
+            <a:schemeClr val="accent1">
+              <a:shade val="50000"/>
+            </a:schemeClr>
+          </a:lnRef>
+          <a:fillRef idx="1">
+            <a:schemeClr val="accent1"/>
+          </a:fillRef>
+          <a:effectRef idx="0">
+            <a:schemeClr val="accent1"/>
+          </a:effectRef>
+          <a:fontRef idx="minor">
+            <a:schemeClr val="lt1"/>
+          </a:fontRef>
+        </p:style>
+        <p:txBody>
+          <a:bodyPr rtlCol="0" anchor="ctr"/>
+          <a:lstStyle/>
+          <a:p>
+            <a:pPr algn="ctr"/>
+            <a:endParaRPr lang="ko-KR" altLang="en-US"/>
+          </a:p>
+        </p:txBody>
+      </p:sp>
+      <p:sp>
+        <p:nvSpPr>
+          <p:cNvPr id="83" name="육각형 82">
+            <a:extLst>
+              <a:ext uri="{FF2B5EF4-FFF2-40B4-BE49-F238E27FC236}">
+                <a16:creationId xmlns:a16="http://schemas.microsoft.com/office/drawing/2014/main" id="{5FCAAA39-6577-0A2C-1A8E-104D72307ECA}"/>
+              </a:ext>
+            </a:extLst>
+          </p:cNvPr>
+          <p:cNvSpPr/>
+          <p:nvPr/>
+        </p:nvSpPr>
+        <p:spPr>
+          <a:xfrm rot="16200000">
+            <a:off x="3797365" y="4466830"/>
+            <a:ext cx="1088065" cy="937990"/>
+          </a:xfrm>
+          <a:prstGeom prst="hexagon">
+            <a:avLst/>
+          </a:prstGeom>
+          <a:solidFill>
+            <a:srgbClr val="FF0000"/>
+          </a:solidFill>
+          <a:ln>
+            <a:solidFill>
+              <a:schemeClr val="tx1"/>
+            </a:solidFill>
+          </a:ln>
+        </p:spPr>
+        <p:style>
+          <a:lnRef idx="2">
+            <a:schemeClr val="accent1">
+              <a:shade val="50000"/>
+            </a:schemeClr>
+          </a:lnRef>
+          <a:fillRef idx="1">
+            <a:schemeClr val="accent1"/>
+          </a:fillRef>
+          <a:effectRef idx="0">
+            <a:schemeClr val="accent1"/>
+          </a:effectRef>
+          <a:fontRef idx="minor">
+            <a:schemeClr val="lt1"/>
+          </a:fontRef>
+        </p:style>
+        <p:txBody>
+          <a:bodyPr rtlCol="0" anchor="ctr"/>
+          <a:lstStyle/>
+          <a:p>
+            <a:pPr algn="ctr"/>
+            <a:endParaRPr lang="ko-KR" altLang="en-US"/>
+          </a:p>
+        </p:txBody>
+      </p:sp>
+      <p:sp>
+        <p:nvSpPr>
+          <p:cNvPr id="84" name="육각형 83">
+            <a:extLst>
+              <a:ext uri="{FF2B5EF4-FFF2-40B4-BE49-F238E27FC236}">
+                <a16:creationId xmlns:a16="http://schemas.microsoft.com/office/drawing/2014/main" id="{D784101C-7020-2448-DF6E-C2DFCD892D18}"/>
+              </a:ext>
+            </a:extLst>
+          </p:cNvPr>
+          <p:cNvSpPr/>
+          <p:nvPr/>
+        </p:nvSpPr>
+        <p:spPr>
+          <a:xfrm rot="16200000">
+            <a:off x="4795340" y="4466830"/>
+            <a:ext cx="1088065" cy="937990"/>
+          </a:xfrm>
+          <a:prstGeom prst="hexagon">
+            <a:avLst/>
+          </a:prstGeom>
+          <a:solidFill>
+            <a:srgbClr val="FBE5D6"/>
+          </a:solidFill>
+          <a:ln>
+            <a:solidFill>
+              <a:schemeClr val="tx1"/>
+            </a:solidFill>
+          </a:ln>
+        </p:spPr>
+        <p:style>
+          <a:lnRef idx="2">
+            <a:schemeClr val="accent1">
+              <a:shade val="50000"/>
+            </a:schemeClr>
+          </a:lnRef>
+          <a:fillRef idx="1">
+            <a:schemeClr val="accent1"/>
+          </a:fillRef>
+          <a:effectRef idx="0">
+            <a:schemeClr val="accent1"/>
+          </a:effectRef>
+          <a:fontRef idx="minor">
+            <a:schemeClr val="lt1"/>
+          </a:fontRef>
+        </p:style>
+        <p:txBody>
+          <a:bodyPr rtlCol="0" anchor="ctr"/>
+          <a:lstStyle/>
+          <a:p>
+            <a:pPr algn="ctr"/>
+            <a:endParaRPr lang="ko-KR" altLang="en-US" dirty="0"/>
+          </a:p>
+        </p:txBody>
+      </p:sp>
+      <p:sp>
+        <p:nvSpPr>
+          <p:cNvPr id="85" name="육각형 84">
+            <a:extLst>
+              <a:ext uri="{FF2B5EF4-FFF2-40B4-BE49-F238E27FC236}">
+                <a16:creationId xmlns:a16="http://schemas.microsoft.com/office/drawing/2014/main" id="{BF8BDF5F-B6D0-2C20-E01F-D2B920227E42}"/>
+              </a:ext>
+            </a:extLst>
+          </p:cNvPr>
+          <p:cNvSpPr/>
+          <p:nvPr/>
+        </p:nvSpPr>
+        <p:spPr>
+          <a:xfrm rot="16200000">
+            <a:off x="5793315" y="4466830"/>
+            <a:ext cx="1088065" cy="937990"/>
+          </a:xfrm>
+          <a:prstGeom prst="hexagon">
+            <a:avLst/>
+          </a:prstGeom>
+          <a:solidFill>
+            <a:schemeClr val="bg1">
+              <a:lumMod val="65000"/>
+            </a:schemeClr>
+          </a:solidFill>
+          <a:ln>
+            <a:solidFill>
+              <a:schemeClr val="tx1"/>
+            </a:solidFill>
+          </a:ln>
+        </p:spPr>
+        <p:style>
+          <a:lnRef idx="2">
+            <a:schemeClr val="accent1">
+              <a:shade val="50000"/>
+            </a:schemeClr>
+          </a:lnRef>
+          <a:fillRef idx="1">
+            <a:schemeClr val="accent1"/>
+          </a:fillRef>
+          <a:effectRef idx="0">
+            <a:schemeClr val="accent1"/>
+          </a:effectRef>
+          <a:fontRef idx="minor">
+            <a:schemeClr val="lt1"/>
+          </a:fontRef>
+        </p:style>
+        <p:txBody>
+          <a:bodyPr rtlCol="0" anchor="ctr"/>
+          <a:lstStyle/>
+          <a:p>
+            <a:pPr algn="ctr"/>
+            <a:endParaRPr lang="ko-KR" altLang="en-US"/>
+          </a:p>
+        </p:txBody>
+      </p:sp>
+      <p:sp>
+        <p:nvSpPr>
+          <p:cNvPr id="72" name="육각형 71">
+            <a:extLst>
+              <a:ext uri="{FF2B5EF4-FFF2-40B4-BE49-F238E27FC236}">
+                <a16:creationId xmlns:a16="http://schemas.microsoft.com/office/drawing/2014/main" id="{3AB9CB6C-963A-833F-851E-E3D283418C74}"/>
+              </a:ext>
+            </a:extLst>
+          </p:cNvPr>
+          <p:cNvSpPr/>
+          <p:nvPr/>
+        </p:nvSpPr>
+        <p:spPr>
+          <a:xfrm rot="16200000">
+            <a:off x="1301050" y="5387976"/>
+            <a:ext cx="1088065" cy="937991"/>
+          </a:xfrm>
+          <a:prstGeom prst="hexagon">
+            <a:avLst/>
+          </a:prstGeom>
+          <a:solidFill>
+            <a:schemeClr val="bg1">
+              <a:lumMod val="65000"/>
+            </a:schemeClr>
+          </a:solidFill>
+          <a:ln>
+            <a:solidFill>
+              <a:schemeClr val="tx1"/>
+            </a:solidFill>
+          </a:ln>
+        </p:spPr>
+        <p:style>
+          <a:lnRef idx="2">
+            <a:schemeClr val="accent1">
+              <a:shade val="50000"/>
+            </a:schemeClr>
+          </a:lnRef>
+          <a:fillRef idx="1">
+            <a:schemeClr val="accent1"/>
+          </a:fillRef>
+          <a:effectRef idx="0">
+            <a:schemeClr val="accent1"/>
+          </a:effectRef>
+          <a:fontRef idx="minor">
+            <a:schemeClr val="lt1"/>
+          </a:fontRef>
+        </p:style>
+        <p:txBody>
+          <a:bodyPr rtlCol="0" anchor="ctr"/>
+          <a:lstStyle/>
+          <a:p>
+            <a:pPr algn="ctr"/>
+            <a:endParaRPr lang="ko-KR" altLang="en-US" dirty="0"/>
+          </a:p>
+        </p:txBody>
+      </p:sp>
+      <p:sp>
+        <p:nvSpPr>
+          <p:cNvPr id="73" name="육각형 72">
+            <a:extLst>
+              <a:ext uri="{FF2B5EF4-FFF2-40B4-BE49-F238E27FC236}">
+                <a16:creationId xmlns:a16="http://schemas.microsoft.com/office/drawing/2014/main" id="{4C9850CA-32CA-25F9-7149-E56DD62DAD7F}"/>
+              </a:ext>
+            </a:extLst>
+          </p:cNvPr>
+          <p:cNvSpPr/>
+          <p:nvPr/>
+        </p:nvSpPr>
+        <p:spPr>
+          <a:xfrm rot="16200000">
+            <a:off x="2299022" y="5387976"/>
+            <a:ext cx="1088065" cy="937991"/>
+          </a:xfrm>
+          <a:prstGeom prst="hexagon">
+            <a:avLst/>
+          </a:prstGeom>
+          <a:solidFill>
+            <a:srgbClr val="FF0000"/>
+          </a:solidFill>
+          <a:ln>
+            <a:solidFill>
+              <a:schemeClr val="tx1"/>
+            </a:solidFill>
+          </a:ln>
+        </p:spPr>
+        <p:style>
+          <a:lnRef idx="2">
+            <a:schemeClr val="accent1">
+              <a:shade val="50000"/>
+            </a:schemeClr>
+          </a:lnRef>
+          <a:fillRef idx="1">
+            <a:schemeClr val="accent1"/>
+          </a:fillRef>
+          <a:effectRef idx="0">
+            <a:schemeClr val="accent1"/>
+          </a:effectRef>
+          <a:fontRef idx="minor">
+            <a:schemeClr val="lt1"/>
+          </a:fontRef>
+        </p:style>
+        <p:txBody>
+          <a:bodyPr rtlCol="0" anchor="ctr"/>
+          <a:lstStyle/>
+          <a:p>
+            <a:pPr algn="ctr"/>
+            <a:endParaRPr lang="ko-KR" altLang="en-US"/>
+          </a:p>
+        </p:txBody>
+      </p:sp>
+      <p:sp>
+        <p:nvSpPr>
+          <p:cNvPr id="74" name="육각형 73">
+            <a:extLst>
+              <a:ext uri="{FF2B5EF4-FFF2-40B4-BE49-F238E27FC236}">
+                <a16:creationId xmlns:a16="http://schemas.microsoft.com/office/drawing/2014/main" id="{04A3A022-02FB-B363-AC91-36FA6809F28A}"/>
+              </a:ext>
+            </a:extLst>
+          </p:cNvPr>
+          <p:cNvSpPr/>
+          <p:nvPr/>
+        </p:nvSpPr>
+        <p:spPr>
+          <a:xfrm rot="16200000">
+            <a:off x="3297002" y="5387976"/>
+            <a:ext cx="1088065" cy="937991"/>
+          </a:xfrm>
+          <a:prstGeom prst="hexagon">
+            <a:avLst/>
+          </a:prstGeom>
+          <a:solidFill>
+            <a:srgbClr val="00B050"/>
+          </a:solidFill>
+          <a:ln>
+            <a:solidFill>
+              <a:schemeClr val="tx1"/>
+            </a:solidFill>
+          </a:ln>
+        </p:spPr>
+        <p:style>
+          <a:lnRef idx="2">
+            <a:schemeClr val="accent1">
+              <a:shade val="50000"/>
+            </a:schemeClr>
+          </a:lnRef>
+          <a:fillRef idx="1">
+            <a:schemeClr val="accent1"/>
+          </a:fillRef>
+          <a:effectRef idx="0">
+            <a:schemeClr val="accent1"/>
+          </a:effectRef>
+          <a:fontRef idx="minor">
+            <a:schemeClr val="lt1"/>
+          </a:fontRef>
+        </p:style>
+        <p:txBody>
+          <a:bodyPr rtlCol="0" anchor="ctr"/>
+          <a:lstStyle/>
+          <a:p>
+            <a:pPr algn="ctr"/>
+            <a:endParaRPr lang="ko-KR" altLang="en-US"/>
+          </a:p>
+        </p:txBody>
+      </p:sp>
+      <p:sp>
+        <p:nvSpPr>
+          <p:cNvPr id="75" name="육각형 74">
+            <a:extLst>
+              <a:ext uri="{FF2B5EF4-FFF2-40B4-BE49-F238E27FC236}">
+                <a16:creationId xmlns:a16="http://schemas.microsoft.com/office/drawing/2014/main" id="{67FC1963-4EA1-5853-8AF7-7B806DACF43C}"/>
+              </a:ext>
+            </a:extLst>
+          </p:cNvPr>
+          <p:cNvSpPr/>
+          <p:nvPr/>
+        </p:nvSpPr>
+        <p:spPr>
+          <a:xfrm rot="16200000">
+            <a:off x="4294977" y="5387980"/>
+            <a:ext cx="1088067" cy="937991"/>
+          </a:xfrm>
+          <a:prstGeom prst="hexagon">
+            <a:avLst/>
+          </a:prstGeom>
+          <a:solidFill>
+            <a:srgbClr val="FBE5D6"/>
+          </a:solidFill>
+          <a:ln>
+            <a:solidFill>
+              <a:schemeClr val="tx1"/>
+            </a:solidFill>
+          </a:ln>
+        </p:spPr>
+        <p:style>
+          <a:lnRef idx="2">
+            <a:schemeClr val="accent1">
+              <a:shade val="50000"/>
+            </a:schemeClr>
+          </a:lnRef>
+          <a:fillRef idx="1">
+            <a:schemeClr val="accent1"/>
+          </a:fillRef>
+          <a:effectRef idx="0">
+            <a:schemeClr val="accent1"/>
+          </a:effectRef>
+          <a:fontRef idx="minor">
+            <a:schemeClr val="lt1"/>
+          </a:fontRef>
+        </p:style>
+        <p:txBody>
+          <a:bodyPr rtlCol="0" anchor="ctr"/>
+          <a:lstStyle/>
+          <a:p>
+            <a:pPr algn="ctr"/>
+            <a:endParaRPr lang="ko-KR" altLang="en-US" dirty="0"/>
+          </a:p>
+        </p:txBody>
+      </p:sp>
+      <p:sp>
+        <p:nvSpPr>
+          <p:cNvPr id="76" name="육각형 75">
+            <a:extLst>
+              <a:ext uri="{FF2B5EF4-FFF2-40B4-BE49-F238E27FC236}">
+                <a16:creationId xmlns:a16="http://schemas.microsoft.com/office/drawing/2014/main" id="{61C061D0-0990-1CF8-2E5C-6502C7AB3DE8}"/>
+              </a:ext>
+            </a:extLst>
+          </p:cNvPr>
+          <p:cNvSpPr/>
+          <p:nvPr/>
+        </p:nvSpPr>
+        <p:spPr>
+          <a:xfrm rot="16200000">
+            <a:off x="5292951" y="5387976"/>
+            <a:ext cx="1088067" cy="937991"/>
+          </a:xfrm>
+          <a:prstGeom prst="hexagon">
+            <a:avLst/>
+          </a:prstGeom>
+          <a:solidFill>
+            <a:schemeClr val="bg1">
+              <a:lumMod val="65000"/>
+            </a:schemeClr>
+          </a:solidFill>
+          <a:ln>
+            <a:solidFill>
+              <a:schemeClr val="tx1"/>
+            </a:solidFill>
+          </a:ln>
+        </p:spPr>
+        <p:style>
+          <a:lnRef idx="2">
+            <a:schemeClr val="accent1">
+              <a:shade val="50000"/>
+            </a:schemeClr>
+          </a:lnRef>
+          <a:fillRef idx="1">
+            <a:schemeClr val="accent1"/>
+          </a:fillRef>
+          <a:effectRef idx="0">
+            <a:schemeClr val="accent1"/>
+          </a:effectRef>
+          <a:fontRef idx="minor">
+            <a:schemeClr val="lt1"/>
+          </a:fontRef>
+        </p:style>
+        <p:txBody>
+          <a:bodyPr rtlCol="0" anchor="ctr"/>
+          <a:lstStyle/>
+          <a:p>
+            <a:pPr algn="ctr"/>
+            <a:endParaRPr lang="ko-KR" altLang="en-US" dirty="0"/>
+          </a:p>
+        </p:txBody>
+      </p:sp>
+      <p:sp>
+        <p:nvSpPr>
+          <p:cNvPr id="77" name="육각형 76">
+            <a:extLst>
+              <a:ext uri="{FF2B5EF4-FFF2-40B4-BE49-F238E27FC236}">
+                <a16:creationId xmlns:a16="http://schemas.microsoft.com/office/drawing/2014/main" id="{DB57609F-EE0B-BA52-31C0-14A6CCF1D870}"/>
+              </a:ext>
+            </a:extLst>
+          </p:cNvPr>
+          <p:cNvSpPr/>
+          <p:nvPr/>
+        </p:nvSpPr>
+        <p:spPr>
+          <a:xfrm rot="16200000">
+            <a:off x="6290924" y="5387977"/>
+            <a:ext cx="1088068" cy="937991"/>
+          </a:xfrm>
+          <a:prstGeom prst="hexagon">
+            <a:avLst/>
+          </a:prstGeom>
+          <a:solidFill>
+            <a:schemeClr val="bg1">
+              <a:lumMod val="65000"/>
+            </a:schemeClr>
+          </a:solidFill>
+          <a:ln>
+            <a:solidFill>
+              <a:schemeClr val="tx1"/>
+            </a:solidFill>
+          </a:ln>
+        </p:spPr>
+        <p:style>
+          <a:lnRef idx="2">
+            <a:schemeClr val="accent1">
+              <a:shade val="50000"/>
+            </a:schemeClr>
+          </a:lnRef>
+          <a:fillRef idx="1">
+            <a:schemeClr val="accent1"/>
+          </a:fillRef>
+          <a:effectRef idx="0">
+            <a:schemeClr val="accent1"/>
+          </a:effectRef>
+          <a:fontRef idx="minor">
+            <a:schemeClr val="lt1"/>
+          </a:fontRef>
+        </p:style>
+        <p:txBody>
+          <a:bodyPr rtlCol="0" anchor="ctr"/>
+          <a:lstStyle/>
+          <a:p>
+            <a:pPr algn="ctr"/>
+            <a:endParaRPr lang="ko-KR" altLang="en-US"/>
+          </a:p>
+        </p:txBody>
+      </p:sp>
+      <p:sp>
+        <p:nvSpPr>
+          <p:cNvPr id="117" name="Google Shape;117;p3"/>
+          <p:cNvSpPr txBox="1">
+            <a:spLocks noGrp="1"/>
+          </p:cNvSpPr>
+          <p:nvPr>
+            <p:ph type="title"/>
+          </p:nvPr>
+        </p:nvSpPr>
+        <p:spPr>
+          <a:xfrm>
+            <a:off x="838200" y="365125"/>
+            <a:ext cx="10515600" cy="1325563"/>
+          </a:xfrm>
+          <a:prstGeom prst="rect">
+            <a:avLst/>
+          </a:prstGeom>
+          <a:noFill/>
+          <a:ln>
+            <a:noFill/>
+          </a:ln>
+        </p:spPr>
+        <p:txBody>
+          <a:bodyPr spcFirstLastPara="1" wrap="square" lIns="91425" tIns="45700" rIns="91425" bIns="45700" anchor="ctr" anchorCtr="0">
+            <a:normAutofit/>
+          </a:bodyPr>
+          <a:lstStyle/>
+          <a:p>
+            <a:pPr marL="0" lvl="0" indent="0" algn="l" rtl="0">
+              <a:lnSpc>
+                <a:spcPct val="90000"/>
+              </a:lnSpc>
+              <a:spcBef>
+                <a:spcPts val="0"/>
+              </a:spcBef>
+              <a:spcAft>
+                <a:spcPts val="0"/>
+              </a:spcAft>
+              <a:buClr>
+                <a:schemeClr val="dk1"/>
+              </a:buClr>
+              <a:buSzPts val="4400"/>
+              <a:buFont typeface="Malgun Gothic"/>
+              <a:buNone/>
+            </a:pPr>
+            <a:r>
+              <a:rPr lang="ko-KR" altLang="en-US" dirty="0"/>
+              <a:t>배치 방식</a:t>
+            </a:r>
+          </a:p>
+        </p:txBody>
+      </p:sp>
+      <p:grpSp>
+        <p:nvGrpSpPr>
+          <p:cNvPr id="119" name="Google Shape;119;p3"/>
+          <p:cNvGrpSpPr/>
+          <p:nvPr/>
+        </p:nvGrpSpPr>
+        <p:grpSpPr>
+          <a:xfrm>
+            <a:off x="358525" y="1486615"/>
+            <a:ext cx="11632320" cy="5017829"/>
+            <a:chOff x="358525" y="1486615"/>
+            <a:chExt cx="11632320" cy="5017829"/>
+          </a:xfrm>
+        </p:grpSpPr>
+        <p:cxnSp>
+          <p:nvCxnSpPr>
+            <p:cNvPr id="120" name="Google Shape;120;p3"/>
+            <p:cNvCxnSpPr/>
+            <p:nvPr/>
+          </p:nvCxnSpPr>
+          <p:spPr>
+            <a:xfrm>
+              <a:off x="609600" y="1510747"/>
+              <a:ext cx="11184835" cy="0"/>
+            </a:xfrm>
+            <a:prstGeom prst="straightConnector1">
+              <a:avLst/>
+            </a:prstGeom>
+            <a:noFill/>
+            <a:ln w="28575" cap="flat" cmpd="sng">
+              <a:solidFill>
+                <a:schemeClr val="dk1"/>
+              </a:solidFill>
+              <a:prstDash val="solid"/>
+              <a:miter lim="800000"/>
+              <a:headEnd type="none" w="sm" len="sm"/>
+              <a:tailEnd type="none" w="sm" len="sm"/>
+            </a:ln>
+          </p:spPr>
+        </p:cxnSp>
+        <p:cxnSp>
+          <p:nvCxnSpPr>
+            <p:cNvPr id="121" name="Google Shape;121;p3"/>
+            <p:cNvCxnSpPr/>
+            <p:nvPr/>
+          </p:nvCxnSpPr>
+          <p:spPr>
+            <a:xfrm>
+              <a:off x="609600" y="6480312"/>
+              <a:ext cx="11184835" cy="0"/>
+            </a:xfrm>
+            <a:prstGeom prst="straightConnector1">
+              <a:avLst/>
+            </a:prstGeom>
+            <a:noFill/>
+            <a:ln w="28575" cap="flat" cmpd="sng">
+              <a:solidFill>
+                <a:schemeClr val="dk1"/>
+              </a:solidFill>
+              <a:prstDash val="solid"/>
+              <a:miter lim="800000"/>
+              <a:headEnd type="none" w="sm" len="sm"/>
+              <a:tailEnd type="none" w="sm" len="sm"/>
+            </a:ln>
+          </p:spPr>
+        </p:cxnSp>
+        <p:cxnSp>
+          <p:nvCxnSpPr>
+            <p:cNvPr id="122" name="Google Shape;122;p3"/>
+            <p:cNvCxnSpPr/>
+            <p:nvPr/>
+          </p:nvCxnSpPr>
+          <p:spPr>
+            <a:xfrm>
+              <a:off x="384313" y="1690688"/>
+              <a:ext cx="0" cy="4590842"/>
+            </a:xfrm>
+            <a:prstGeom prst="straightConnector1">
+              <a:avLst/>
+            </a:prstGeom>
+            <a:noFill/>
+            <a:ln w="28575" cap="flat" cmpd="sng">
+              <a:solidFill>
+                <a:schemeClr val="dk1"/>
+              </a:solidFill>
+              <a:prstDash val="solid"/>
+              <a:miter lim="800000"/>
+              <a:headEnd type="none" w="sm" len="sm"/>
+              <a:tailEnd type="none" w="sm" len="sm"/>
+            </a:ln>
+          </p:spPr>
+        </p:cxnSp>
+        <p:cxnSp>
+          <p:nvCxnSpPr>
+            <p:cNvPr id="123" name="Google Shape;123;p3"/>
+            <p:cNvCxnSpPr/>
+            <p:nvPr/>
+          </p:nvCxnSpPr>
+          <p:spPr>
+            <a:xfrm>
+              <a:off x="11966713" y="1690688"/>
+              <a:ext cx="0" cy="4590842"/>
+            </a:xfrm>
+            <a:prstGeom prst="straightConnector1">
+              <a:avLst/>
+            </a:prstGeom>
+            <a:noFill/>
+            <a:ln w="28575" cap="flat" cmpd="sng">
+              <a:solidFill>
+                <a:schemeClr val="dk1"/>
+              </a:solidFill>
+              <a:prstDash val="solid"/>
+              <a:miter lim="800000"/>
+              <a:headEnd type="none" w="sm" len="sm"/>
+              <a:tailEnd type="none" w="sm" len="sm"/>
+            </a:ln>
+          </p:spPr>
+        </p:cxnSp>
+        <p:sp>
+          <p:nvSpPr>
+            <p:cNvPr id="124" name="Google Shape;124;p3"/>
+            <p:cNvSpPr/>
+            <p:nvPr/>
+          </p:nvSpPr>
+          <p:spPr>
+            <a:xfrm rot="10800000" flipH="1">
+              <a:off x="11942581" y="6456180"/>
+              <a:ext cx="48264" cy="48264"/>
+            </a:xfrm>
+            <a:prstGeom prst="ellipse">
+              <a:avLst/>
+            </a:prstGeom>
+            <a:solidFill>
+              <a:schemeClr val="dk1"/>
+            </a:solidFill>
+            <a:ln w="12700" cap="flat" cmpd="sng">
+              <a:solidFill>
+                <a:schemeClr val="dk1"/>
+              </a:solidFill>
+              <a:prstDash val="solid"/>
+              <a:miter lim="800000"/>
+              <a:headEnd type="none" w="sm" len="sm"/>
+              <a:tailEnd type="none" w="sm" len="sm"/>
+            </a:ln>
+          </p:spPr>
+          <p:txBody>
+            <a:bodyPr spcFirstLastPara="1" wrap="square" lIns="91425" tIns="45700" rIns="91425" bIns="45700" anchor="ctr" anchorCtr="0">
+              <a:noAutofit/>
+            </a:bodyPr>
+            <a:lstStyle/>
+            <a:p>
+              <a:pPr marL="0" marR="0" lvl="0" indent="0" algn="ctr" rtl="0">
+                <a:spcBef>
+                  <a:spcPts val="0"/>
+                </a:spcBef>
+                <a:spcAft>
+                  <a:spcPts val="0"/>
+                </a:spcAft>
+                <a:buNone/>
+              </a:pPr>
+              <a:endParaRPr sz="1800" b="0" i="0" u="none" strike="noStrike" cap="none">
+                <a:solidFill>
+                  <a:schemeClr val="lt1"/>
+                </a:solidFill>
+                <a:latin typeface="Malgun Gothic"/>
+                <a:ea typeface="Malgun Gothic"/>
+                <a:cs typeface="Malgun Gothic"/>
+                <a:sym typeface="Malgun Gothic"/>
+              </a:endParaRPr>
+            </a:p>
+          </p:txBody>
+        </p:sp>
+        <p:sp>
+          <p:nvSpPr>
+            <p:cNvPr id="125" name="Google Shape;125;p3"/>
+            <p:cNvSpPr/>
+            <p:nvPr/>
+          </p:nvSpPr>
+          <p:spPr>
+            <a:xfrm rot="10800000" flipH="1">
+              <a:off x="358525" y="1486615"/>
+              <a:ext cx="48264" cy="48264"/>
+            </a:xfrm>
+            <a:prstGeom prst="ellipse">
+              <a:avLst/>
+            </a:prstGeom>
+            <a:solidFill>
+              <a:schemeClr val="dk1"/>
+            </a:solidFill>
+            <a:ln w="12700" cap="flat" cmpd="sng">
+              <a:solidFill>
+                <a:schemeClr val="dk1"/>
+              </a:solidFill>
+              <a:prstDash val="solid"/>
+              <a:miter lim="800000"/>
+              <a:headEnd type="none" w="sm" len="sm"/>
+              <a:tailEnd type="none" w="sm" len="sm"/>
+            </a:ln>
+          </p:spPr>
+          <p:txBody>
+            <a:bodyPr spcFirstLastPara="1" wrap="square" lIns="91425" tIns="45700" rIns="91425" bIns="45700" anchor="ctr" anchorCtr="0">
+              <a:noAutofit/>
+            </a:bodyPr>
+            <a:lstStyle/>
+            <a:p>
+              <a:pPr marL="0" marR="0" lvl="0" indent="0" algn="ctr" rtl="0">
+                <a:spcBef>
+                  <a:spcPts val="0"/>
+                </a:spcBef>
+                <a:spcAft>
+                  <a:spcPts val="0"/>
+                </a:spcAft>
+                <a:buNone/>
+              </a:pPr>
+              <a:endParaRPr sz="1800" b="0" i="0" u="none" strike="noStrike" cap="none">
+                <a:solidFill>
+                  <a:schemeClr val="lt1"/>
+                </a:solidFill>
+                <a:latin typeface="Malgun Gothic"/>
+                <a:ea typeface="Malgun Gothic"/>
+                <a:cs typeface="Malgun Gothic"/>
+                <a:sym typeface="Malgun Gothic"/>
+              </a:endParaRPr>
+            </a:p>
+          </p:txBody>
+        </p:sp>
+      </p:grpSp>
+      <p:sp>
+        <p:nvSpPr>
+          <p:cNvPr id="2" name="슬라이드 번호 개체 틀 1"/>
+          <p:cNvSpPr>
+            <a:spLocks noGrp="1"/>
+          </p:cNvSpPr>
+          <p:nvPr>
+            <p:ph type="sldNum" idx="12"/>
+          </p:nvPr>
+        </p:nvSpPr>
+        <p:spPr/>
+        <p:txBody>
+          <a:bodyPr/>
+          <a:lstStyle/>
+          <a:p>
+            <a:pPr marL="0" lvl="0" indent="0" algn="r" rtl="0">
+              <a:spcBef>
+                <a:spcPts val="0"/>
+              </a:spcBef>
+              <a:spcAft>
+                <a:spcPts val="0"/>
+              </a:spcAft>
+              <a:buNone/>
+            </a:pPr>
+            <a:fld id="{00000000-1234-1234-1234-123412341234}" type="slidenum">
+              <a:rPr lang="en-US" altLang="ko-KR" smtClean="0"/>
+              <a:t>3</a:t>
+            </a:fld>
+            <a:endParaRPr lang="ko-KR" altLang="en-US"/>
+          </a:p>
+        </p:txBody>
+      </p:sp>
+      <p:cxnSp>
+        <p:nvCxnSpPr>
+          <p:cNvPr id="56" name="Google Shape;97;p2">
+            <a:extLst>
+              <a:ext uri="{FF2B5EF4-FFF2-40B4-BE49-F238E27FC236}">
+                <a16:creationId xmlns:a16="http://schemas.microsoft.com/office/drawing/2014/main" id="{62588F5F-EF44-4D87-B105-53BCC0462955}"/>
+              </a:ext>
+            </a:extLst>
+          </p:cNvPr>
+          <p:cNvCxnSpPr>
+            <a:cxnSpLocks/>
+          </p:cNvCxnSpPr>
+          <p:nvPr/>
+        </p:nvCxnSpPr>
+        <p:spPr>
+          <a:xfrm>
+            <a:off x="8488219" y="1534879"/>
+            <a:ext cx="0" cy="4945433"/>
+          </a:xfrm>
+          <a:prstGeom prst="straightConnector1">
+            <a:avLst/>
+          </a:prstGeom>
+          <a:noFill/>
+          <a:ln w="19050" cap="flat" cmpd="sng">
+            <a:solidFill>
+              <a:schemeClr val="dk1"/>
+            </a:solidFill>
+            <a:prstDash val="solid"/>
+            <a:miter lim="800000"/>
+            <a:headEnd type="none" w="sm" len="sm"/>
+            <a:tailEnd type="none" w="sm" len="sm"/>
+          </a:ln>
+        </p:spPr>
+      </p:cxnSp>
+      <p:sp>
+        <p:nvSpPr>
+          <p:cNvPr id="31" name="TextBox 30">
+            <a:extLst>
+              <a:ext uri="{FF2B5EF4-FFF2-40B4-BE49-F238E27FC236}">
+                <a16:creationId xmlns:a16="http://schemas.microsoft.com/office/drawing/2014/main" id="{CC75C9D9-15F2-4CB0-A798-8F3CE0486109}"/>
+              </a:ext>
+            </a:extLst>
+          </p:cNvPr>
+          <p:cNvSpPr txBox="1"/>
+          <p:nvPr/>
+        </p:nvSpPr>
+        <p:spPr>
+          <a:xfrm>
+            <a:off x="8510695" y="1534879"/>
+            <a:ext cx="3655516" cy="2585323"/>
+          </a:xfrm>
+          <a:prstGeom prst="rect">
+            <a:avLst/>
+          </a:prstGeom>
+          <a:noFill/>
+        </p:spPr>
+        <p:txBody>
+          <a:bodyPr wrap="square">
+            <a:spAutoFit/>
+          </a:bodyPr>
+          <a:lstStyle/>
+          <a:p>
+            <a:pPr>
+              <a:lnSpc>
+                <a:spcPct val="150000"/>
+              </a:lnSpc>
+            </a:pPr>
+            <a:r>
+              <a:rPr lang="ko-KR" altLang="en-US" sz="1200" b="1" dirty="0">
+                <a:latin typeface="+mn-ea"/>
+                <a:ea typeface="+mn-ea"/>
+              </a:rPr>
+              <a:t>예시용 테이블에 적용된 방식</a:t>
+            </a:r>
+            <a:endParaRPr lang="en-US" altLang="ko-KR" sz="1200" b="1" dirty="0">
+              <a:latin typeface="+mn-ea"/>
+              <a:ea typeface="+mn-ea"/>
+            </a:endParaRPr>
+          </a:p>
+          <a:p>
+            <a:pPr marL="171450" indent="-171450">
+              <a:lnSpc>
+                <a:spcPct val="150000"/>
+              </a:lnSpc>
+              <a:buFont typeface="Arial" panose="020B0604020202020204" pitchFamily="34" charset="0"/>
+              <a:buChar char="•"/>
+            </a:pPr>
+            <a:r>
+              <a:rPr lang="ko-KR" altLang="en-US" sz="1200" dirty="0">
+                <a:latin typeface="+mn-ea"/>
+                <a:ea typeface="+mn-ea"/>
+              </a:rPr>
+              <a:t>모든 타일은 </a:t>
+            </a:r>
+            <a:r>
+              <a:rPr lang="ko-KR" altLang="en-US" sz="1200" dirty="0" err="1">
+                <a:latin typeface="+mn-ea"/>
+                <a:ea typeface="+mn-ea"/>
+              </a:rPr>
+              <a:t>프리팹을</a:t>
+            </a:r>
+            <a:r>
+              <a:rPr lang="ko-KR" altLang="en-US" sz="1200" dirty="0">
+                <a:latin typeface="+mn-ea"/>
+                <a:ea typeface="+mn-ea"/>
+              </a:rPr>
+              <a:t> 소환 하는 방식으로 </a:t>
+            </a:r>
+            <a:br>
+              <a:rPr lang="en-US" altLang="ko-KR" sz="1200" dirty="0">
+                <a:latin typeface="+mn-ea"/>
+                <a:ea typeface="+mn-ea"/>
+              </a:rPr>
+            </a:br>
+            <a:r>
+              <a:rPr lang="ko-KR" altLang="en-US" sz="1200" dirty="0">
+                <a:latin typeface="+mn-ea"/>
+                <a:ea typeface="+mn-ea"/>
+              </a:rPr>
+              <a:t>구성한다</a:t>
+            </a:r>
+            <a:r>
+              <a:rPr lang="en-US" altLang="ko-KR" sz="1200" dirty="0">
+                <a:latin typeface="+mn-ea"/>
+                <a:ea typeface="+mn-ea"/>
+              </a:rPr>
+              <a:t>.</a:t>
+            </a:r>
+            <a:br>
+              <a:rPr lang="en-US" altLang="ko-KR" sz="1200" dirty="0">
+                <a:latin typeface="+mn-ea"/>
+                <a:ea typeface="+mn-ea"/>
+              </a:rPr>
+            </a:br>
+            <a:endParaRPr lang="en-US" altLang="ko-KR" sz="1200" dirty="0">
+              <a:latin typeface="+mn-ea"/>
+              <a:ea typeface="+mn-ea"/>
+            </a:endParaRPr>
+          </a:p>
+          <a:p>
+            <a:pPr marL="171450" indent="-171450">
+              <a:lnSpc>
+                <a:spcPct val="150000"/>
+              </a:lnSpc>
+              <a:buFont typeface="Arial" panose="020B0604020202020204" pitchFamily="34" charset="0"/>
+              <a:buChar char="•"/>
+            </a:pPr>
+            <a:r>
+              <a:rPr lang="ko-KR" altLang="en-US" sz="1200" dirty="0">
+                <a:latin typeface="+mn-ea"/>
+                <a:ea typeface="+mn-ea"/>
+              </a:rPr>
+              <a:t>테이블에 나와있는 배치를 사용</a:t>
+            </a:r>
+            <a:br>
+              <a:rPr lang="en-US" altLang="ko-KR" sz="1200" dirty="0">
+                <a:latin typeface="+mn-ea"/>
+                <a:ea typeface="+mn-ea"/>
+              </a:rPr>
+            </a:br>
+            <a:r>
+              <a:rPr lang="ko-KR" altLang="en-US" sz="1200" dirty="0">
+                <a:latin typeface="+mn-ea"/>
+                <a:ea typeface="+mn-ea"/>
+              </a:rPr>
+              <a:t>녹색 </a:t>
+            </a:r>
+            <a:r>
+              <a:rPr lang="en-US" altLang="ko-KR" sz="1200" dirty="0">
+                <a:latin typeface="+mn-ea"/>
+                <a:ea typeface="+mn-ea"/>
+              </a:rPr>
+              <a:t>2</a:t>
+            </a:r>
+            <a:r>
+              <a:rPr lang="ko-KR" altLang="en-US" sz="1200" dirty="0">
+                <a:latin typeface="+mn-ea"/>
+                <a:ea typeface="+mn-ea"/>
+              </a:rPr>
+              <a:t> </a:t>
+            </a:r>
+            <a:r>
+              <a:rPr lang="en-US" altLang="ko-KR" sz="1200" dirty="0">
+                <a:latin typeface="+mn-ea"/>
+                <a:ea typeface="+mn-ea"/>
+              </a:rPr>
+              <a:t>: </a:t>
+            </a:r>
+            <a:r>
+              <a:rPr lang="ko-KR" altLang="en-US" sz="1200" dirty="0">
+                <a:latin typeface="+mn-ea"/>
+                <a:ea typeface="+mn-ea"/>
+              </a:rPr>
+              <a:t>아이템 및 시작 </a:t>
+            </a:r>
+            <a:r>
+              <a:rPr lang="ko-KR" altLang="en-US" sz="1200" dirty="0" err="1">
+                <a:latin typeface="+mn-ea"/>
+                <a:ea typeface="+mn-ea"/>
+              </a:rPr>
+              <a:t>프리팹을</a:t>
+            </a:r>
+            <a:r>
+              <a:rPr lang="ko-KR" altLang="en-US" sz="1200" dirty="0">
+                <a:latin typeface="+mn-ea"/>
+                <a:ea typeface="+mn-ea"/>
+              </a:rPr>
+              <a:t> 가진 지형</a:t>
+            </a:r>
+            <a:br>
+              <a:rPr lang="en-US" altLang="ko-KR" sz="1200" dirty="0">
+                <a:latin typeface="+mn-ea"/>
+                <a:ea typeface="+mn-ea"/>
+              </a:rPr>
+            </a:br>
+            <a:r>
+              <a:rPr lang="ko-KR" altLang="en-US" sz="1200" dirty="0">
+                <a:latin typeface="+mn-ea"/>
+                <a:ea typeface="+mn-ea"/>
+              </a:rPr>
+              <a:t>빨강 </a:t>
+            </a:r>
+            <a:r>
+              <a:rPr lang="en-US" altLang="ko-KR" sz="1200" dirty="0">
+                <a:latin typeface="+mn-ea"/>
+                <a:ea typeface="+mn-ea"/>
+              </a:rPr>
+              <a:t>4 : </a:t>
+            </a:r>
+            <a:r>
+              <a:rPr lang="ko-KR" altLang="en-US" sz="1200" dirty="0">
+                <a:latin typeface="+mn-ea"/>
+                <a:ea typeface="+mn-ea"/>
+              </a:rPr>
+              <a:t>버프 </a:t>
+            </a:r>
+            <a:r>
+              <a:rPr lang="ko-KR" altLang="en-US" sz="1200" dirty="0" err="1">
+                <a:latin typeface="+mn-ea"/>
+                <a:ea typeface="+mn-ea"/>
+              </a:rPr>
+              <a:t>디버프가</a:t>
+            </a:r>
+            <a:r>
+              <a:rPr lang="ko-KR" altLang="en-US" sz="1200" dirty="0">
+                <a:latin typeface="+mn-ea"/>
+                <a:ea typeface="+mn-ea"/>
+              </a:rPr>
+              <a:t> 소환된 </a:t>
+            </a:r>
+            <a:r>
+              <a:rPr lang="ko-KR" altLang="en-US" sz="1200" dirty="0" err="1">
+                <a:latin typeface="+mn-ea"/>
+                <a:ea typeface="+mn-ea"/>
+              </a:rPr>
+              <a:t>프리팹</a:t>
+            </a:r>
+            <a:br>
+              <a:rPr lang="en-US" altLang="ko-KR" sz="1200" dirty="0">
+                <a:latin typeface="+mn-ea"/>
+                <a:ea typeface="+mn-ea"/>
+              </a:rPr>
+            </a:br>
+            <a:r>
+              <a:rPr lang="ko-KR" altLang="en-US" sz="1200" dirty="0">
+                <a:latin typeface="+mn-ea"/>
+                <a:ea typeface="+mn-ea"/>
+              </a:rPr>
+              <a:t>회색 </a:t>
+            </a:r>
+            <a:r>
+              <a:rPr lang="en-US" altLang="ko-KR" sz="1200" dirty="0">
+                <a:latin typeface="+mn-ea"/>
+                <a:ea typeface="+mn-ea"/>
+              </a:rPr>
+              <a:t>1 : </a:t>
+            </a:r>
+            <a:r>
+              <a:rPr lang="ko-KR" altLang="en-US" sz="1200" dirty="0">
+                <a:latin typeface="+mn-ea"/>
+                <a:ea typeface="+mn-ea"/>
+              </a:rPr>
+              <a:t>이동 불가 지역</a:t>
+            </a:r>
+            <a:br>
+              <a:rPr lang="en-US" altLang="ko-KR" sz="1200" dirty="0">
+                <a:latin typeface="+mn-ea"/>
+                <a:ea typeface="+mn-ea"/>
+              </a:rPr>
+            </a:br>
+            <a:r>
+              <a:rPr lang="ko-KR" altLang="en-US" sz="1200" dirty="0">
+                <a:latin typeface="+mn-ea"/>
+                <a:ea typeface="+mn-ea"/>
+              </a:rPr>
+              <a:t>보스 </a:t>
+            </a:r>
+            <a:r>
+              <a:rPr lang="en-US" altLang="ko-KR" sz="1200" dirty="0">
+                <a:latin typeface="+mn-ea"/>
+                <a:ea typeface="+mn-ea"/>
+              </a:rPr>
+              <a:t>3 : </a:t>
+            </a:r>
+            <a:r>
+              <a:rPr lang="ko-KR" altLang="en-US" sz="1200" dirty="0">
+                <a:latin typeface="+mn-ea"/>
+                <a:ea typeface="+mn-ea"/>
+              </a:rPr>
+              <a:t>해당 위치에 보스 몬스터 소환</a:t>
+            </a:r>
+            <a:endParaRPr lang="en-US" altLang="ko-KR" sz="1200" dirty="0">
+              <a:latin typeface="+mn-ea"/>
+              <a:ea typeface="+mn-ea"/>
+            </a:endParaRPr>
+          </a:p>
+        </p:txBody>
+      </p:sp>
+      <p:pic>
+        <p:nvPicPr>
+          <p:cNvPr id="62" name="그림 61">
+            <a:extLst>
+              <a:ext uri="{FF2B5EF4-FFF2-40B4-BE49-F238E27FC236}">
+                <a16:creationId xmlns:a16="http://schemas.microsoft.com/office/drawing/2014/main" id="{B6CF988E-0FDC-45AC-AE29-A91246C62D79}"/>
+              </a:ext>
+            </a:extLst>
+          </p:cNvPr>
+          <p:cNvPicPr>
+            <a:picLocks noChangeAspect="1"/>
+          </p:cNvPicPr>
+          <p:nvPr/>
+        </p:nvPicPr>
+        <p:blipFill>
+          <a:blip r:embed="rId3" cstate="print">
+            <a:extLst>
+              <a:ext uri="{28A0092B-C50C-407E-A947-70E740481C1C}">
+                <a14:useLocalDpi xmlns:a14="http://schemas.microsoft.com/office/drawing/2010/main" val="0"/>
+              </a:ext>
+            </a:extLst>
+          </a:blip>
+          <a:stretch>
+            <a:fillRect/>
+          </a:stretch>
+        </p:blipFill>
+        <p:spPr>
+          <a:xfrm>
+            <a:off x="6488530" y="3640125"/>
+            <a:ext cx="758876" cy="758876"/>
+          </a:xfrm>
+          <a:prstGeom prst="rect">
+            <a:avLst/>
+          </a:prstGeom>
+        </p:spPr>
+      </p:pic>
+    </p:spTree>
+    <p:extLst>
+      <p:ext uri="{BB962C8B-B14F-4D97-AF65-F5344CB8AC3E}">
+        <p14:creationId xmlns:p14="http://schemas.microsoft.com/office/powerpoint/2010/main" val="2167185643"/>
+      </p:ext>
+    </p:extLst>
+  </p:cSld>
+  <p:clrMapOvr>
+    <a:masterClrMapping/>
+  </p:clrMapOvr>
+</p:sld>
+</file>
+
 <file path=ppt/theme/theme1.xml><?xml version="1.0" encoding="utf-8"?>
 <a:theme xmlns:a="http://schemas.openxmlformats.org/drawingml/2006/main" name="Office 테마">
   <a:themeElements>
